--- a/Jakub Tibenský - Android Games.pptx
+++ b/Jakub Tibenský - Android Games.pptx
@@ -113,6 +113,11 @@
       </a:defRPr>
     </a:lvl9pPr>
   </p:defaultTextStyle>
+  <p:extLst>
+    <p:ext uri="{EFAFB233-063F-42B5-8137-9DF3F51BA10A}">
+      <p15:sldGuideLst xmlns:p15="http://schemas.microsoft.com/office/powerpoint/2012/main"/>
+    </p:ext>
+  </p:extLst>
 </p:presentation>
 </file>
 
@@ -345,7 +350,7 @@
           <a:p>
             <a:fld id="{DCA8C922-584A-4858-A70B-79478AFE6A1D}" type="datetimeFigureOut">
               <a:rPr lang="sk-SK" smtClean="0"/>
-              <a:t>5. 5. 2021</a:t>
+              <a:t>6. 5. 2021</a:t>
             </a:fld>
             <a:endParaRPr lang="sk-SK"/>
           </a:p>
@@ -679,7 +684,7 @@
           <a:p>
             <a:fld id="{DCA8C922-584A-4858-A70B-79478AFE6A1D}" type="datetimeFigureOut">
               <a:rPr lang="sk-SK" smtClean="0"/>
-              <a:t>5. 5. 2021</a:t>
+              <a:t>6. 5. 2021</a:t>
             </a:fld>
             <a:endParaRPr lang="sk-SK"/>
           </a:p>
@@ -957,7 +962,7 @@
           <a:p>
             <a:fld id="{DCA8C922-584A-4858-A70B-79478AFE6A1D}" type="datetimeFigureOut">
               <a:rPr lang="sk-SK" smtClean="0"/>
-              <a:t>5. 5. 2021</a:t>
+              <a:t>6. 5. 2021</a:t>
             </a:fld>
             <a:endParaRPr lang="sk-SK"/>
           </a:p>
@@ -1525,7 +1530,7 @@
           <a:p>
             <a:fld id="{DCA8C922-584A-4858-A70B-79478AFE6A1D}" type="datetimeFigureOut">
               <a:rPr lang="sk-SK" smtClean="0"/>
-              <a:t>5. 5. 2021</a:t>
+              <a:t>6. 5. 2021</a:t>
             </a:fld>
             <a:endParaRPr lang="sk-SK"/>
           </a:p>
@@ -1803,7 +1808,7 @@
           <a:p>
             <a:fld id="{DCA8C922-584A-4858-A70B-79478AFE6A1D}" type="datetimeFigureOut">
               <a:rPr lang="sk-SK" smtClean="0"/>
-              <a:t>5. 5. 2021</a:t>
+              <a:t>6. 5. 2021</a:t>
             </a:fld>
             <a:endParaRPr lang="sk-SK"/>
           </a:p>
@@ -2365,7 +2370,7 @@
           <a:p>
             <a:fld id="{DCA8C922-584A-4858-A70B-79478AFE6A1D}" type="datetimeFigureOut">
               <a:rPr lang="sk-SK" smtClean="0"/>
-              <a:t>5. 5. 2021</a:t>
+              <a:t>6. 5. 2021</a:t>
             </a:fld>
             <a:endParaRPr lang="sk-SK"/>
           </a:p>
@@ -2692,7 +2697,7 @@
           <a:p>
             <a:fld id="{DCA8C922-584A-4858-A70B-79478AFE6A1D}" type="datetimeFigureOut">
               <a:rPr lang="sk-SK" smtClean="0"/>
-              <a:t>5. 5. 2021</a:t>
+              <a:t>6. 5. 2021</a:t>
             </a:fld>
             <a:endParaRPr lang="sk-SK"/>
           </a:p>
@@ -2869,7 +2874,7 @@
           <a:p>
             <a:fld id="{DCA8C922-584A-4858-A70B-79478AFE6A1D}" type="datetimeFigureOut">
               <a:rPr lang="sk-SK" smtClean="0"/>
-              <a:t>5. 5. 2021</a:t>
+              <a:t>6. 5. 2021</a:t>
             </a:fld>
             <a:endParaRPr lang="sk-SK"/>
           </a:p>
@@ -3107,7 +3112,7 @@
           <a:p>
             <a:fld id="{DCA8C922-584A-4858-A70B-79478AFE6A1D}" type="datetimeFigureOut">
               <a:rPr lang="sk-SK" smtClean="0"/>
-              <a:t>5. 5. 2021</a:t>
+              <a:t>6. 5. 2021</a:t>
             </a:fld>
             <a:endParaRPr lang="sk-SK"/>
           </a:p>
@@ -3307,7 +3312,7 @@
           <a:p>
             <a:fld id="{DCA8C922-584A-4858-A70B-79478AFE6A1D}" type="datetimeFigureOut">
               <a:rPr lang="sk-SK" smtClean="0"/>
-              <a:t>5. 5. 2021</a:t>
+              <a:t>6. 5. 2021</a:t>
             </a:fld>
             <a:endParaRPr lang="sk-SK"/>
           </a:p>
@@ -3583,7 +3588,7 @@
           <a:p>
             <a:fld id="{DCA8C922-584A-4858-A70B-79478AFE6A1D}" type="datetimeFigureOut">
               <a:rPr lang="sk-SK" smtClean="0"/>
-              <a:t>5. 5. 2021</a:t>
+              <a:t>6. 5. 2021</a:t>
             </a:fld>
             <a:endParaRPr lang="sk-SK"/>
           </a:p>
@@ -3849,7 +3854,7 @@
           <a:p>
             <a:fld id="{DCA8C922-584A-4858-A70B-79478AFE6A1D}" type="datetimeFigureOut">
               <a:rPr lang="sk-SK" smtClean="0"/>
-              <a:t>5. 5. 2021</a:t>
+              <a:t>6. 5. 2021</a:t>
             </a:fld>
             <a:endParaRPr lang="sk-SK"/>
           </a:p>
@@ -4223,7 +4228,7 @@
           <a:p>
             <a:fld id="{DCA8C922-584A-4858-A70B-79478AFE6A1D}" type="datetimeFigureOut">
               <a:rPr lang="sk-SK" smtClean="0"/>
-              <a:t>5. 5. 2021</a:t>
+              <a:t>6. 5. 2021</a:t>
             </a:fld>
             <a:endParaRPr lang="sk-SK"/>
           </a:p>
@@ -4371,7 +4376,7 @@
           <a:p>
             <a:fld id="{DCA8C922-584A-4858-A70B-79478AFE6A1D}" type="datetimeFigureOut">
               <a:rPr lang="sk-SK" smtClean="0"/>
-              <a:t>5. 5. 2021</a:t>
+              <a:t>6. 5. 2021</a:t>
             </a:fld>
             <a:endParaRPr lang="sk-SK"/>
           </a:p>
@@ -4496,7 +4501,7 @@
           <a:p>
             <a:fld id="{DCA8C922-584A-4858-A70B-79478AFE6A1D}" type="datetimeFigureOut">
               <a:rPr lang="sk-SK" smtClean="0"/>
-              <a:t>5. 5. 2021</a:t>
+              <a:t>6. 5. 2021</a:t>
             </a:fld>
             <a:endParaRPr lang="sk-SK"/>
           </a:p>
@@ -4781,7 +4786,7 @@
           <a:p>
             <a:fld id="{DCA8C922-584A-4858-A70B-79478AFE6A1D}" type="datetimeFigureOut">
               <a:rPr lang="sk-SK" smtClean="0"/>
-              <a:t>5. 5. 2021</a:t>
+              <a:t>6. 5. 2021</a:t>
             </a:fld>
             <a:endParaRPr lang="sk-SK"/>
           </a:p>
@@ -5105,7 +5110,7 @@
           <a:p>
             <a:fld id="{DCA8C922-584A-4858-A70B-79478AFE6A1D}" type="datetimeFigureOut">
               <a:rPr lang="sk-SK" smtClean="0"/>
-              <a:t>5. 5. 2021</a:t>
+              <a:t>6. 5. 2021</a:t>
             </a:fld>
             <a:endParaRPr lang="sk-SK"/>
           </a:p>
@@ -5319,7 +5324,7 @@
           <a:p>
             <a:fld id="{DCA8C922-584A-4858-A70B-79478AFE6A1D}" type="datetimeFigureOut">
               <a:rPr lang="sk-SK" smtClean="0"/>
-              <a:t>5. 5. 2021</a:t>
+              <a:t>6. 5. 2021</a:t>
             </a:fld>
             <a:endParaRPr lang="sk-SK"/>
           </a:p>
@@ -5847,7 +5852,26 @@
           <a:bodyPr/>
           <a:lstStyle/>
           <a:p>
-            <a:endParaRPr lang="sk-SK"/>
+            <a:r>
+              <a:rPr lang="sk-SK" dirty="0"/>
+              <a:t>Neurónové siete</a:t>
+            </a:r>
+            <a:br>
+              <a:rPr lang="sk-SK" dirty="0"/>
+            </a:br>
+            <a:r>
+              <a:rPr lang="sk-SK" dirty="0" err="1" smtClean="0"/>
+              <a:t>android</a:t>
+            </a:r>
+            <a:r>
+              <a:rPr lang="sk-SK" dirty="0" smtClean="0"/>
+              <a:t> </a:t>
+            </a:r>
+            <a:r>
+              <a:rPr lang="sk-SK" dirty="0" err="1" smtClean="0"/>
+              <a:t>games</a:t>
+            </a:r>
+            <a:endParaRPr lang="sk-SK" dirty="0"/>
           </a:p>
         </p:txBody>
       </p:sp>
@@ -5866,10 +5890,55 @@
           <a:bodyPr/>
           <a:lstStyle/>
           <a:p>
-            <a:endParaRPr lang="sk-SK"/>
-          </a:p>
-        </p:txBody>
-      </p:sp>
+            <a:r>
+              <a:rPr lang="sk-SK" dirty="0" smtClean="0"/>
+              <a:t>Jakub Tibenský</a:t>
+            </a:r>
+            <a:endParaRPr lang="sk-SK" dirty="0"/>
+          </a:p>
+        </p:txBody>
+      </p:sp>
+      <p:pic>
+        <p:nvPicPr>
+          <p:cNvPr id="2050" name="Picture 2" descr="Android Robot Coffee | PNGlib – Free PNG Library"/>
+          <p:cNvPicPr>
+            <a:picLocks noChangeAspect="1" noChangeArrowheads="1"/>
+          </p:cNvPicPr>
+          <p:nvPr/>
+        </p:nvPicPr>
+        <p:blipFill>
+          <a:blip r:embed="rId2">
+            <a:extLst>
+              <a:ext uri="{28A0092B-C50C-407E-A947-70E740481C1C}">
+                <a14:useLocalDpi xmlns:a14="http://schemas.microsoft.com/office/drawing/2010/main" val="0"/>
+              </a:ext>
+            </a:extLst>
+          </a:blip>
+          <a:srcRect/>
+          <a:stretch>
+            <a:fillRect/>
+          </a:stretch>
+        </p:blipFill>
+        <p:spPr bwMode="auto">
+          <a:xfrm>
+            <a:off x="1954109" y="1964266"/>
+            <a:ext cx="4698332" cy="5101046"/>
+          </a:xfrm>
+          <a:prstGeom prst="rect">
+            <a:avLst/>
+          </a:prstGeom>
+          <a:noFill/>
+          <a:extLst>
+            <a:ext uri="{909E8E84-426E-40DD-AFC4-6F175D3DCCD1}">
+              <a14:hiddenFill xmlns:a14="http://schemas.microsoft.com/office/drawing/2010/main">
+                <a:solidFill>
+                  <a:srgbClr val="FFFFFF"/>
+                </a:solidFill>
+              </a14:hiddenFill>
+            </a:ext>
+          </a:extLst>
+        </p:spPr>
+      </p:pic>
     </p:spTree>
     <p:extLst>
       <p:ext uri="{BB962C8B-B14F-4D97-AF65-F5344CB8AC3E}">
@@ -5915,7 +5984,11 @@
           <a:bodyPr/>
           <a:lstStyle/>
           <a:p>
-            <a:endParaRPr lang="sk-SK"/>
+            <a:r>
+              <a:rPr lang="sk-SK" dirty="0" smtClean="0"/>
+              <a:t>Ďakujem za pozornosť!</a:t>
+            </a:r>
+            <a:endParaRPr lang="sk-SK" dirty="0"/>
           </a:p>
         </p:txBody>
       </p:sp>
@@ -5934,10 +6007,60 @@
           <a:bodyPr/>
           <a:lstStyle/>
           <a:p>
-            <a:endParaRPr lang="sk-SK"/>
-          </a:p>
-        </p:txBody>
-      </p:sp>
+            <a:r>
+              <a:rPr lang="sk-SK" dirty="0" smtClean="0"/>
+              <a:t>Jakub Tibenský</a:t>
+            </a:r>
+            <a:endParaRPr lang="sk-SK" dirty="0"/>
+          </a:p>
+        </p:txBody>
+      </p:sp>
+      <p:pic>
+        <p:nvPicPr>
+          <p:cNvPr id="1028" name="Picture 4" descr="Predpovedanie zrážok pomocou neurónových sietí : Meteopress | Předpověď  počasí, aktuální počasí"/>
+          <p:cNvPicPr>
+            <a:picLocks noChangeAspect="1" noChangeArrowheads="1"/>
+          </p:cNvPicPr>
+          <p:nvPr/>
+        </p:nvPicPr>
+        <p:blipFill>
+          <a:blip r:embed="rId2">
+            <a:extLst>
+              <a:ext uri="{28A0092B-C50C-407E-A947-70E740481C1C}">
+                <a14:useLocalDpi xmlns:a14="http://schemas.microsoft.com/office/drawing/2010/main" val="0"/>
+              </a:ext>
+            </a:extLst>
+          </a:blip>
+          <a:srcRect/>
+          <a:stretch>
+            <a:fillRect/>
+          </a:stretch>
+        </p:blipFill>
+        <p:spPr bwMode="auto">
+          <a:xfrm>
+            <a:off x="3161210" y="2142067"/>
+            <a:ext cx="7331437" cy="3844709"/>
+          </a:xfrm>
+          <a:prstGeom prst="rect">
+            <a:avLst/>
+          </a:prstGeom>
+          <a:ln>
+            <a:noFill/>
+          </a:ln>
+          <a:effectLst>
+            <a:softEdge rad="635000"/>
+          </a:effectLst>
+          <a:extLst>
+            <a:ext uri="{909E8E84-426E-40DD-AFC4-6F175D3DCCD1}">
+              <a14:hiddenFill xmlns:a14="http://schemas.microsoft.com/office/drawing/2010/main">
+                <a:solidFill>
+                  <a:srgbClr val="FFFFFF"/>
+                </a:solidFill>
+              </a14:hiddenFill>
+            </a:ext>
+          </a:extLst>
+        </p:spPr>
+      </p:pic>
     </p:spTree>
     <p:extLst>
       <p:ext uri="{BB962C8B-B14F-4D97-AF65-F5344CB8AC3E}">
@@ -5983,7 +6106,11 @@
           <a:bodyPr/>
           <a:lstStyle/>
           <a:p>
-            <a:endParaRPr lang="sk-SK"/>
+            <a:r>
+              <a:rPr lang="sk-SK" dirty="0" smtClean="0"/>
+              <a:t>Získanie dát</a:t>
+            </a:r>
+            <a:endParaRPr lang="sk-SK" dirty="0"/>
           </a:p>
         </p:txBody>
       </p:sp>
@@ -6002,7 +6129,7 @@
           <a:bodyPr/>
           <a:lstStyle/>
           <a:p>
-            <a:endParaRPr lang="sk-SK"/>
+            <a:endParaRPr lang="sk-SK" dirty="0"/>
           </a:p>
         </p:txBody>
       </p:sp>
@@ -6051,7 +6178,15 @@
           <a:bodyPr/>
           <a:lstStyle/>
           <a:p>
-            <a:endParaRPr lang="sk-SK"/>
+            <a:r>
+              <a:rPr lang="sk-SK" dirty="0" smtClean="0"/>
+              <a:t>Analýza</a:t>
+            </a:r>
+            <a:r>
+              <a:rPr lang="sk-SK" dirty="0" smtClean="0"/>
+              <a:t> dát</a:t>
+            </a:r>
+            <a:endParaRPr lang="sk-SK" dirty="0"/>
           </a:p>
         </p:txBody>
       </p:sp>
@@ -6119,7 +6254,11 @@
           <a:bodyPr/>
           <a:lstStyle/>
           <a:p>
-            <a:endParaRPr lang="sk-SK"/>
+            <a:r>
+              <a:rPr lang="sk-SK" dirty="0"/>
+              <a:t>Analýza dát</a:t>
+            </a:r>
+            <a:endParaRPr lang="sk-SK" dirty="0"/>
           </a:p>
         </p:txBody>
       </p:sp>
@@ -6187,7 +6326,11 @@
           <a:bodyPr/>
           <a:lstStyle/>
           <a:p>
-            <a:endParaRPr lang="sk-SK"/>
+            <a:r>
+              <a:rPr lang="sk-SK" dirty="0"/>
+              <a:t>Analýza dát</a:t>
+            </a:r>
+            <a:endParaRPr lang="sk-SK" dirty="0"/>
           </a:p>
         </p:txBody>
       </p:sp>
@@ -6255,7 +6398,11 @@
           <a:bodyPr/>
           <a:lstStyle/>
           <a:p>
-            <a:endParaRPr lang="sk-SK"/>
+            <a:r>
+              <a:rPr lang="sk-SK" dirty="0"/>
+              <a:t>Analýza dát</a:t>
+            </a:r>
+            <a:endParaRPr lang="sk-SK" dirty="0"/>
           </a:p>
         </p:txBody>
       </p:sp>
@@ -6323,7 +6470,11 @@
           <a:bodyPr/>
           <a:lstStyle/>
           <a:p>
-            <a:endParaRPr lang="sk-SK"/>
+            <a:r>
+              <a:rPr lang="sk-SK" dirty="0" smtClean="0"/>
+              <a:t>Neurónová sieť</a:t>
+            </a:r>
+            <a:endParaRPr lang="sk-SK" dirty="0"/>
           </a:p>
         </p:txBody>
       </p:sp>
@@ -6391,7 +6542,11 @@
           <a:bodyPr/>
           <a:lstStyle/>
           <a:p>
-            <a:endParaRPr lang="sk-SK"/>
+            <a:r>
+              <a:rPr lang="sk-SK" dirty="0"/>
+              <a:t>Neurónová sieť</a:t>
+            </a:r>
+            <a:endParaRPr lang="sk-SK" dirty="0"/>
           </a:p>
         </p:txBody>
       </p:sp>
@@ -6459,7 +6614,11 @@
           <a:bodyPr/>
           <a:lstStyle/>
           <a:p>
-            <a:endParaRPr lang="sk-SK"/>
+            <a:r>
+              <a:rPr lang="sk-SK" dirty="0"/>
+              <a:t>Neurónová sieť</a:t>
+            </a:r>
+            <a:endParaRPr lang="sk-SK" dirty="0"/>
           </a:p>
         </p:txBody>
       </p:sp>

--- a/Jakub Tibenský - Android Games.pptx
+++ b/Jakub Tibenský - Android Games.pptx
@@ -8,13 +8,21 @@
     <p:sldId id="256" r:id="rId2"/>
     <p:sldId id="257" r:id="rId3"/>
     <p:sldId id="258" r:id="rId4"/>
-    <p:sldId id="259" r:id="rId5"/>
-    <p:sldId id="260" r:id="rId6"/>
-    <p:sldId id="261" r:id="rId7"/>
-    <p:sldId id="262" r:id="rId8"/>
-    <p:sldId id="263" r:id="rId9"/>
-    <p:sldId id="264" r:id="rId10"/>
-    <p:sldId id="265" r:id="rId11"/>
+    <p:sldId id="266" r:id="rId5"/>
+    <p:sldId id="267" r:id="rId6"/>
+    <p:sldId id="268" r:id="rId7"/>
+    <p:sldId id="270" r:id="rId8"/>
+    <p:sldId id="271" r:id="rId9"/>
+    <p:sldId id="262" r:id="rId10"/>
+    <p:sldId id="273" r:id="rId11"/>
+    <p:sldId id="274" r:id="rId12"/>
+    <p:sldId id="275" r:id="rId13"/>
+    <p:sldId id="276" r:id="rId14"/>
+    <p:sldId id="277" r:id="rId15"/>
+    <p:sldId id="278" r:id="rId16"/>
+    <p:sldId id="279" r:id="rId17"/>
+    <p:sldId id="265" r:id="rId18"/>
+    <p:sldId id="272" r:id="rId19"/>
   </p:sldIdLst>
   <p:sldSz cx="12192000" cy="6858000"/>
   <p:notesSz cx="6858000" cy="9144000"/>
@@ -350,7 +358,7 @@
           <a:p>
             <a:fld id="{DCA8C922-584A-4858-A70B-79478AFE6A1D}" type="datetimeFigureOut">
               <a:rPr lang="sk-SK" smtClean="0"/>
-              <a:t>6. 5. 2021</a:t>
+              <a:t>7. 5. 2021</a:t>
             </a:fld>
             <a:endParaRPr lang="sk-SK"/>
           </a:p>
@@ -684,7 +692,7 @@
           <a:p>
             <a:fld id="{DCA8C922-584A-4858-A70B-79478AFE6A1D}" type="datetimeFigureOut">
               <a:rPr lang="sk-SK" smtClean="0"/>
-              <a:t>6. 5. 2021</a:t>
+              <a:t>7. 5. 2021</a:t>
             </a:fld>
             <a:endParaRPr lang="sk-SK"/>
           </a:p>
@@ -962,7 +970,7 @@
           <a:p>
             <a:fld id="{DCA8C922-584A-4858-A70B-79478AFE6A1D}" type="datetimeFigureOut">
               <a:rPr lang="sk-SK" smtClean="0"/>
-              <a:t>6. 5. 2021</a:t>
+              <a:t>7. 5. 2021</a:t>
             </a:fld>
             <a:endParaRPr lang="sk-SK"/>
           </a:p>
@@ -1530,7 +1538,7 @@
           <a:p>
             <a:fld id="{DCA8C922-584A-4858-A70B-79478AFE6A1D}" type="datetimeFigureOut">
               <a:rPr lang="sk-SK" smtClean="0"/>
-              <a:t>6. 5. 2021</a:t>
+              <a:t>7. 5. 2021</a:t>
             </a:fld>
             <a:endParaRPr lang="sk-SK"/>
           </a:p>
@@ -1808,7 +1816,7 @@
           <a:p>
             <a:fld id="{DCA8C922-584A-4858-A70B-79478AFE6A1D}" type="datetimeFigureOut">
               <a:rPr lang="sk-SK" smtClean="0"/>
-              <a:t>6. 5. 2021</a:t>
+              <a:t>7. 5. 2021</a:t>
             </a:fld>
             <a:endParaRPr lang="sk-SK"/>
           </a:p>
@@ -2370,7 +2378,7 @@
           <a:p>
             <a:fld id="{DCA8C922-584A-4858-A70B-79478AFE6A1D}" type="datetimeFigureOut">
               <a:rPr lang="sk-SK" smtClean="0"/>
-              <a:t>6. 5. 2021</a:t>
+              <a:t>7. 5. 2021</a:t>
             </a:fld>
             <a:endParaRPr lang="sk-SK"/>
           </a:p>
@@ -2697,7 +2705,7 @@
           <a:p>
             <a:fld id="{DCA8C922-584A-4858-A70B-79478AFE6A1D}" type="datetimeFigureOut">
               <a:rPr lang="sk-SK" smtClean="0"/>
-              <a:t>6. 5. 2021</a:t>
+              <a:t>7. 5. 2021</a:t>
             </a:fld>
             <a:endParaRPr lang="sk-SK"/>
           </a:p>
@@ -2874,7 +2882,7 @@
           <a:p>
             <a:fld id="{DCA8C922-584A-4858-A70B-79478AFE6A1D}" type="datetimeFigureOut">
               <a:rPr lang="sk-SK" smtClean="0"/>
-              <a:t>6. 5. 2021</a:t>
+              <a:t>7. 5. 2021</a:t>
             </a:fld>
             <a:endParaRPr lang="sk-SK"/>
           </a:p>
@@ -3112,7 +3120,7 @@
           <a:p>
             <a:fld id="{DCA8C922-584A-4858-A70B-79478AFE6A1D}" type="datetimeFigureOut">
               <a:rPr lang="sk-SK" smtClean="0"/>
-              <a:t>6. 5. 2021</a:t>
+              <a:t>7. 5. 2021</a:t>
             </a:fld>
             <a:endParaRPr lang="sk-SK"/>
           </a:p>
@@ -3312,7 +3320,7 @@
           <a:p>
             <a:fld id="{DCA8C922-584A-4858-A70B-79478AFE6A1D}" type="datetimeFigureOut">
               <a:rPr lang="sk-SK" smtClean="0"/>
-              <a:t>6. 5. 2021</a:t>
+              <a:t>7. 5. 2021</a:t>
             </a:fld>
             <a:endParaRPr lang="sk-SK"/>
           </a:p>
@@ -3588,7 +3596,7 @@
           <a:p>
             <a:fld id="{DCA8C922-584A-4858-A70B-79478AFE6A1D}" type="datetimeFigureOut">
               <a:rPr lang="sk-SK" smtClean="0"/>
-              <a:t>6. 5. 2021</a:t>
+              <a:t>7. 5. 2021</a:t>
             </a:fld>
             <a:endParaRPr lang="sk-SK"/>
           </a:p>
@@ -3854,7 +3862,7 @@
           <a:p>
             <a:fld id="{DCA8C922-584A-4858-A70B-79478AFE6A1D}" type="datetimeFigureOut">
               <a:rPr lang="sk-SK" smtClean="0"/>
-              <a:t>6. 5. 2021</a:t>
+              <a:t>7. 5. 2021</a:t>
             </a:fld>
             <a:endParaRPr lang="sk-SK"/>
           </a:p>
@@ -4228,7 +4236,7 @@
           <a:p>
             <a:fld id="{DCA8C922-584A-4858-A70B-79478AFE6A1D}" type="datetimeFigureOut">
               <a:rPr lang="sk-SK" smtClean="0"/>
-              <a:t>6. 5. 2021</a:t>
+              <a:t>7. 5. 2021</a:t>
             </a:fld>
             <a:endParaRPr lang="sk-SK"/>
           </a:p>
@@ -4376,7 +4384,7 @@
           <a:p>
             <a:fld id="{DCA8C922-584A-4858-A70B-79478AFE6A1D}" type="datetimeFigureOut">
               <a:rPr lang="sk-SK" smtClean="0"/>
-              <a:t>6. 5. 2021</a:t>
+              <a:t>7. 5. 2021</a:t>
             </a:fld>
             <a:endParaRPr lang="sk-SK"/>
           </a:p>
@@ -4501,7 +4509,7 @@
           <a:p>
             <a:fld id="{DCA8C922-584A-4858-A70B-79478AFE6A1D}" type="datetimeFigureOut">
               <a:rPr lang="sk-SK" smtClean="0"/>
-              <a:t>6. 5. 2021</a:t>
+              <a:t>7. 5. 2021</a:t>
             </a:fld>
             <a:endParaRPr lang="sk-SK"/>
           </a:p>
@@ -4786,7 +4794,7 @@
           <a:p>
             <a:fld id="{DCA8C922-584A-4858-A70B-79478AFE6A1D}" type="datetimeFigureOut">
               <a:rPr lang="sk-SK" smtClean="0"/>
-              <a:t>6. 5. 2021</a:t>
+              <a:t>7. 5. 2021</a:t>
             </a:fld>
             <a:endParaRPr lang="sk-SK"/>
           </a:p>
@@ -5110,7 +5118,7 @@
           <a:p>
             <a:fld id="{DCA8C922-584A-4858-A70B-79478AFE6A1D}" type="datetimeFigureOut">
               <a:rPr lang="sk-SK" smtClean="0"/>
-              <a:t>6. 5. 2021</a:t>
+              <a:t>7. 5. 2021</a:t>
             </a:fld>
             <a:endParaRPr lang="sk-SK"/>
           </a:p>
@@ -5324,7 +5332,7 @@
           <a:p>
             <a:fld id="{DCA8C922-584A-4858-A70B-79478AFE6A1D}" type="datetimeFigureOut">
               <a:rPr lang="sk-SK" smtClean="0"/>
-              <a:t>6. 5. 2021</a:t>
+              <a:t>7. 5. 2021</a:t>
             </a:fld>
             <a:endParaRPr lang="sk-SK"/>
           </a:p>
@@ -5949,6 +5957,13 @@
   <p:clrMapOvr>
     <a:masterClrMapping/>
   </p:clrMapOvr>
+  <p:timing>
+    <p:tnLst>
+      <p:par>
+        <p:cTn id="1" dur="indefinite" restart="never" nodeType="tmRoot"/>
+      </p:par>
+    </p:tnLst>
+  </p:timing>
 </p:sld>
 </file>
 
@@ -5986,6 +6001,1215 @@
           <a:p>
             <a:r>
               <a:rPr lang="sk-SK" dirty="0" smtClean="0"/>
+              <a:t>Neurónová sieť</a:t>
+            </a:r>
+            <a:endParaRPr lang="sk-SK" dirty="0"/>
+          </a:p>
+        </p:txBody>
+      </p:sp>
+      <p:sp>
+        <p:nvSpPr>
+          <p:cNvPr id="3" name="Zástupný symbol obsahu 2"/>
+          <p:cNvSpPr>
+            <a:spLocks noGrp="1"/>
+          </p:cNvSpPr>
+          <p:nvPr>
+            <p:ph idx="1"/>
+          </p:nvPr>
+        </p:nvSpPr>
+        <p:spPr>
+          <a:xfrm>
+            <a:off x="685802" y="2142068"/>
+            <a:ext cx="3598816" cy="1724537"/>
+          </a:xfrm>
+        </p:spPr>
+        <p:txBody>
+          <a:bodyPr/>
+          <a:lstStyle/>
+          <a:p>
+            <a:pPr marL="0" indent="0">
+              <a:buNone/>
+            </a:pPr>
+            <a:r>
+              <a:rPr lang="sk-SK" b="1" dirty="0" err="1" smtClean="0"/>
+              <a:t>Keras</a:t>
+            </a:r>
+            <a:endParaRPr lang="sk-SK" b="1" dirty="0" smtClean="0"/>
+          </a:p>
+          <a:p>
+            <a:r>
+              <a:rPr lang="sk-SK" dirty="0"/>
+              <a:t>Skryté, koncové vrstvy, nastavenie:</a:t>
+            </a:r>
+          </a:p>
+          <a:p>
+            <a:pPr marL="0" indent="0">
+              <a:buNone/>
+            </a:pPr>
+            <a:endParaRPr lang="sk-SK" dirty="0"/>
+          </a:p>
+        </p:txBody>
+      </p:sp>
+      <p:pic>
+        <p:nvPicPr>
+          <p:cNvPr id="5" name="Obrázok 4"/>
+          <p:cNvPicPr>
+            <a:picLocks noChangeAspect="1"/>
+          </p:cNvPicPr>
+          <p:nvPr/>
+        </p:nvPicPr>
+        <p:blipFill>
+          <a:blip r:embed="rId2"/>
+          <a:stretch>
+            <a:fillRect/>
+          </a:stretch>
+        </p:blipFill>
+        <p:spPr>
+          <a:xfrm>
+            <a:off x="4127864" y="2065867"/>
+            <a:ext cx="6532608" cy="4483969"/>
+          </a:xfrm>
+          <a:prstGeom prst="rect">
+            <a:avLst/>
+          </a:prstGeom>
+          <a:ln w="38100" cap="sq">
+            <a:solidFill>
+              <a:srgbClr val="000000"/>
+            </a:solidFill>
+            <a:prstDash val="solid"/>
+            <a:miter lim="800000"/>
+          </a:ln>
+          <a:effectLst>
+            <a:outerShdw blurRad="50800" dist="38100" dir="2700000" algn="tl" rotWithShape="0">
+              <a:srgbClr val="000000">
+                <a:alpha val="43000"/>
+              </a:srgbClr>
+            </a:outerShdw>
+          </a:effectLst>
+        </p:spPr>
+      </p:pic>
+    </p:spTree>
+    <p:extLst>
+      <p:ext uri="{BB962C8B-B14F-4D97-AF65-F5344CB8AC3E}">
+        <p14:creationId xmlns:p14="http://schemas.microsoft.com/office/powerpoint/2010/main" val="1588677277"/>
+      </p:ext>
+    </p:extLst>
+  </p:cSld>
+  <p:clrMapOvr>
+    <a:masterClrMapping/>
+  </p:clrMapOvr>
+  <p:timing>
+    <p:tnLst>
+      <p:par>
+        <p:cTn id="1" dur="indefinite" restart="never" nodeType="tmRoot"/>
+      </p:par>
+    </p:tnLst>
+  </p:timing>
+</p:sld>
+</file>
+
+<file path=ppt/slides/slide11.xml><?xml version="1.0" encoding="utf-8"?>
+<p:sld xmlns:a="http://schemas.openxmlformats.org/drawingml/2006/main" xmlns:r="http://schemas.openxmlformats.org/officeDocument/2006/relationships" xmlns:p="http://schemas.openxmlformats.org/presentationml/2006/main">
+  <p:cSld>
+    <p:spTree>
+      <p:nvGrpSpPr>
+        <p:cNvPr id="1" name=""/>
+        <p:cNvGrpSpPr/>
+        <p:nvPr/>
+      </p:nvGrpSpPr>
+      <p:grpSpPr>
+        <a:xfrm>
+          <a:off x="0" y="0"/>
+          <a:ext cx="0" cy="0"/>
+          <a:chOff x="0" y="0"/>
+          <a:chExt cx="0" cy="0"/>
+        </a:xfrm>
+      </p:grpSpPr>
+      <p:sp>
+        <p:nvSpPr>
+          <p:cNvPr id="2" name="Nadpis 1"/>
+          <p:cNvSpPr>
+            <a:spLocks noGrp="1"/>
+          </p:cNvSpPr>
+          <p:nvPr>
+            <p:ph type="title"/>
+          </p:nvPr>
+        </p:nvSpPr>
+        <p:spPr/>
+        <p:txBody>
+          <a:bodyPr/>
+          <a:lstStyle/>
+          <a:p>
+            <a:r>
+              <a:rPr lang="sk-SK" dirty="0" smtClean="0"/>
+              <a:t>Neurónová sieť</a:t>
+            </a:r>
+            <a:endParaRPr lang="sk-SK" dirty="0"/>
+          </a:p>
+        </p:txBody>
+      </p:sp>
+      <p:sp>
+        <p:nvSpPr>
+          <p:cNvPr id="3" name="Zástupný symbol obsahu 2"/>
+          <p:cNvSpPr>
+            <a:spLocks noGrp="1"/>
+          </p:cNvSpPr>
+          <p:nvPr>
+            <p:ph idx="1"/>
+          </p:nvPr>
+        </p:nvSpPr>
+        <p:spPr>
+          <a:xfrm>
+            <a:off x="685802" y="2142068"/>
+            <a:ext cx="3259181" cy="1724537"/>
+          </a:xfrm>
+        </p:spPr>
+        <p:txBody>
+          <a:bodyPr/>
+          <a:lstStyle/>
+          <a:p>
+            <a:pPr marL="0" indent="0">
+              <a:buNone/>
+            </a:pPr>
+            <a:r>
+              <a:rPr lang="sk-SK" b="1" dirty="0" err="1" smtClean="0"/>
+              <a:t>Keras</a:t>
+            </a:r>
+            <a:endParaRPr lang="sk-SK" b="1" dirty="0" smtClean="0"/>
+          </a:p>
+          <a:p>
+            <a:r>
+              <a:rPr lang="sk-SK" dirty="0" smtClean="0"/>
+              <a:t>Spustenie </a:t>
+            </a:r>
+            <a:r>
+              <a:rPr lang="sk-SK" dirty="0" err="1" smtClean="0"/>
+              <a:t>Kerasu</a:t>
+            </a:r>
+            <a:r>
+              <a:rPr lang="sk-SK" dirty="0" smtClean="0"/>
+              <a:t> – neurónovej siete:</a:t>
+            </a:r>
+            <a:endParaRPr lang="sk-SK" dirty="0"/>
+          </a:p>
+          <a:p>
+            <a:pPr marL="0" indent="0">
+              <a:buNone/>
+            </a:pPr>
+            <a:endParaRPr lang="sk-SK" dirty="0"/>
+          </a:p>
+        </p:txBody>
+      </p:sp>
+      <p:pic>
+        <p:nvPicPr>
+          <p:cNvPr id="4" name="Obrázok 3"/>
+          <p:cNvPicPr>
+            <a:picLocks noChangeAspect="1"/>
+          </p:cNvPicPr>
+          <p:nvPr/>
+        </p:nvPicPr>
+        <p:blipFill>
+          <a:blip r:embed="rId2"/>
+          <a:stretch>
+            <a:fillRect/>
+          </a:stretch>
+        </p:blipFill>
+        <p:spPr>
+          <a:xfrm>
+            <a:off x="3425997" y="2446127"/>
+            <a:ext cx="7391229" cy="3379909"/>
+          </a:xfrm>
+          <a:prstGeom prst="rect">
+            <a:avLst/>
+          </a:prstGeom>
+          <a:ln w="38100" cap="sq">
+            <a:solidFill>
+              <a:srgbClr val="000000"/>
+            </a:solidFill>
+            <a:prstDash val="solid"/>
+            <a:miter lim="800000"/>
+          </a:ln>
+          <a:effectLst>
+            <a:outerShdw blurRad="50800" dist="38100" dir="2700000" algn="tl" rotWithShape="0">
+              <a:srgbClr val="000000">
+                <a:alpha val="43000"/>
+              </a:srgbClr>
+            </a:outerShdw>
+          </a:effectLst>
+        </p:spPr>
+      </p:pic>
+    </p:spTree>
+    <p:extLst>
+      <p:ext uri="{BB962C8B-B14F-4D97-AF65-F5344CB8AC3E}">
+        <p14:creationId xmlns:p14="http://schemas.microsoft.com/office/powerpoint/2010/main" val="1248445660"/>
+      </p:ext>
+    </p:extLst>
+  </p:cSld>
+  <p:clrMapOvr>
+    <a:masterClrMapping/>
+  </p:clrMapOvr>
+  <p:timing>
+    <p:tnLst>
+      <p:par>
+        <p:cTn id="1" dur="indefinite" restart="never" nodeType="tmRoot"/>
+      </p:par>
+    </p:tnLst>
+  </p:timing>
+</p:sld>
+</file>
+
+<file path=ppt/slides/slide12.xml><?xml version="1.0" encoding="utf-8"?>
+<p:sld xmlns:a="http://schemas.openxmlformats.org/drawingml/2006/main" xmlns:r="http://schemas.openxmlformats.org/officeDocument/2006/relationships" xmlns:p="http://schemas.openxmlformats.org/presentationml/2006/main">
+  <p:cSld>
+    <p:spTree>
+      <p:nvGrpSpPr>
+        <p:cNvPr id="1" name=""/>
+        <p:cNvGrpSpPr/>
+        <p:nvPr/>
+      </p:nvGrpSpPr>
+      <p:grpSpPr>
+        <a:xfrm>
+          <a:off x="0" y="0"/>
+          <a:ext cx="0" cy="0"/>
+          <a:chOff x="0" y="0"/>
+          <a:chExt cx="0" cy="0"/>
+        </a:xfrm>
+      </p:grpSpPr>
+      <p:sp>
+        <p:nvSpPr>
+          <p:cNvPr id="2" name="Nadpis 1"/>
+          <p:cNvSpPr>
+            <a:spLocks noGrp="1"/>
+          </p:cNvSpPr>
+          <p:nvPr>
+            <p:ph type="title"/>
+          </p:nvPr>
+        </p:nvSpPr>
+        <p:spPr/>
+        <p:txBody>
+          <a:bodyPr/>
+          <a:lstStyle/>
+          <a:p>
+            <a:r>
+              <a:rPr lang="sk-SK" dirty="0" smtClean="0"/>
+              <a:t>Neurónová sieť</a:t>
+            </a:r>
+            <a:endParaRPr lang="sk-SK" dirty="0"/>
+          </a:p>
+        </p:txBody>
+      </p:sp>
+      <p:sp>
+        <p:nvSpPr>
+          <p:cNvPr id="3" name="Zástupný symbol obsahu 2"/>
+          <p:cNvSpPr>
+            <a:spLocks noGrp="1"/>
+          </p:cNvSpPr>
+          <p:nvPr>
+            <p:ph idx="1"/>
+          </p:nvPr>
+        </p:nvSpPr>
+        <p:spPr>
+          <a:xfrm>
+            <a:off x="685802" y="2142068"/>
+            <a:ext cx="3598816" cy="1445863"/>
+          </a:xfrm>
+        </p:spPr>
+        <p:txBody>
+          <a:bodyPr/>
+          <a:lstStyle/>
+          <a:p>
+            <a:pPr marL="0" indent="0">
+              <a:buNone/>
+            </a:pPr>
+            <a:r>
+              <a:rPr lang="sk-SK" b="1" dirty="0" err="1" smtClean="0"/>
+              <a:t>Keras</a:t>
+            </a:r>
+            <a:endParaRPr lang="sk-SK" b="1" dirty="0" smtClean="0"/>
+          </a:p>
+          <a:p>
+            <a:r>
+              <a:rPr lang="sk-SK" dirty="0" smtClean="0"/>
+              <a:t>Presnosť (</a:t>
+            </a:r>
+            <a:r>
+              <a:rPr lang="en-US" dirty="0" smtClean="0"/>
+              <a:t>%</a:t>
+            </a:r>
+            <a:r>
+              <a:rPr lang="sk-SK" dirty="0" smtClean="0"/>
+              <a:t>):</a:t>
+            </a:r>
+            <a:endParaRPr lang="sk-SK" dirty="0"/>
+          </a:p>
+          <a:p>
+            <a:pPr marL="0" indent="0">
+              <a:buNone/>
+            </a:pPr>
+            <a:endParaRPr lang="sk-SK" dirty="0"/>
+          </a:p>
+        </p:txBody>
+      </p:sp>
+      <p:pic>
+        <p:nvPicPr>
+          <p:cNvPr id="7" name="Obrázok 6"/>
+          <p:cNvPicPr>
+            <a:picLocks noChangeAspect="1"/>
+          </p:cNvPicPr>
+          <p:nvPr/>
+        </p:nvPicPr>
+        <p:blipFill>
+          <a:blip r:embed="rId2"/>
+          <a:stretch>
+            <a:fillRect/>
+          </a:stretch>
+        </p:blipFill>
+        <p:spPr>
+          <a:xfrm>
+            <a:off x="3245822" y="2065867"/>
+            <a:ext cx="7398304" cy="2207419"/>
+          </a:xfrm>
+          <a:prstGeom prst="rect">
+            <a:avLst/>
+          </a:prstGeom>
+          <a:ln w="38100" cap="sq">
+            <a:solidFill>
+              <a:srgbClr val="000000"/>
+            </a:solidFill>
+            <a:prstDash val="solid"/>
+            <a:miter lim="800000"/>
+          </a:ln>
+          <a:effectLst>
+            <a:outerShdw blurRad="50800" dist="38100" dir="2700000" algn="tl" rotWithShape="0">
+              <a:srgbClr val="000000">
+                <a:alpha val="43000"/>
+              </a:srgbClr>
+            </a:outerShdw>
+          </a:effectLst>
+        </p:spPr>
+      </p:pic>
+      <p:pic>
+        <p:nvPicPr>
+          <p:cNvPr id="8" name="Obrázok 7"/>
+          <p:cNvPicPr>
+            <a:picLocks noChangeAspect="1"/>
+          </p:cNvPicPr>
+          <p:nvPr/>
+        </p:nvPicPr>
+        <p:blipFill>
+          <a:blip r:embed="rId3"/>
+          <a:stretch>
+            <a:fillRect/>
+          </a:stretch>
+        </p:blipFill>
+        <p:spPr>
+          <a:xfrm>
+            <a:off x="1771107" y="4273286"/>
+            <a:ext cx="3262447" cy="2315285"/>
+          </a:xfrm>
+          <a:prstGeom prst="rect">
+            <a:avLst/>
+          </a:prstGeom>
+          <a:ln w="38100" cap="sq">
+            <a:solidFill>
+              <a:srgbClr val="000000"/>
+            </a:solidFill>
+            <a:prstDash val="solid"/>
+            <a:miter lim="800000"/>
+          </a:ln>
+          <a:effectLst>
+            <a:outerShdw blurRad="50800" dist="38100" dir="2700000" algn="tl" rotWithShape="0">
+              <a:srgbClr val="000000">
+                <a:alpha val="43000"/>
+              </a:srgbClr>
+            </a:outerShdw>
+          </a:effectLst>
+        </p:spPr>
+      </p:pic>
+      <p:pic>
+        <p:nvPicPr>
+          <p:cNvPr id="9" name="Obrázok 8"/>
+          <p:cNvPicPr>
+            <a:picLocks noChangeAspect="1"/>
+          </p:cNvPicPr>
+          <p:nvPr/>
+        </p:nvPicPr>
+        <p:blipFill>
+          <a:blip r:embed="rId4"/>
+          <a:stretch>
+            <a:fillRect/>
+          </a:stretch>
+        </p:blipFill>
+        <p:spPr>
+          <a:xfrm>
+            <a:off x="5033554" y="4273286"/>
+            <a:ext cx="3363256" cy="2315285"/>
+          </a:xfrm>
+          <a:prstGeom prst="rect">
+            <a:avLst/>
+          </a:prstGeom>
+          <a:ln w="38100" cap="sq">
+            <a:solidFill>
+              <a:srgbClr val="000000"/>
+            </a:solidFill>
+            <a:prstDash val="solid"/>
+            <a:miter lim="800000"/>
+          </a:ln>
+          <a:effectLst>
+            <a:outerShdw blurRad="50800" dist="38100" dir="2700000" algn="tl" rotWithShape="0">
+              <a:srgbClr val="000000">
+                <a:alpha val="43000"/>
+              </a:srgbClr>
+            </a:outerShdw>
+          </a:effectLst>
+        </p:spPr>
+      </p:pic>
+    </p:spTree>
+    <p:extLst>
+      <p:ext uri="{BB962C8B-B14F-4D97-AF65-F5344CB8AC3E}">
+        <p14:creationId xmlns:p14="http://schemas.microsoft.com/office/powerpoint/2010/main" val="2389346612"/>
+      </p:ext>
+    </p:extLst>
+  </p:cSld>
+  <p:clrMapOvr>
+    <a:masterClrMapping/>
+  </p:clrMapOvr>
+  <p:timing>
+    <p:tnLst>
+      <p:par>
+        <p:cTn id="1" dur="indefinite" restart="never" nodeType="tmRoot"/>
+      </p:par>
+    </p:tnLst>
+  </p:timing>
+</p:sld>
+</file>
+
+<file path=ppt/slides/slide13.xml><?xml version="1.0" encoding="utf-8"?>
+<p:sld xmlns:a="http://schemas.openxmlformats.org/drawingml/2006/main" xmlns:r="http://schemas.openxmlformats.org/officeDocument/2006/relationships" xmlns:p="http://schemas.openxmlformats.org/presentationml/2006/main">
+  <p:cSld>
+    <p:spTree>
+      <p:nvGrpSpPr>
+        <p:cNvPr id="1" name=""/>
+        <p:cNvGrpSpPr/>
+        <p:nvPr/>
+      </p:nvGrpSpPr>
+      <p:grpSpPr>
+        <a:xfrm>
+          <a:off x="0" y="0"/>
+          <a:ext cx="0" cy="0"/>
+          <a:chOff x="0" y="0"/>
+          <a:chExt cx="0" cy="0"/>
+        </a:xfrm>
+      </p:grpSpPr>
+      <p:sp>
+        <p:nvSpPr>
+          <p:cNvPr id="2" name="Nadpis 1"/>
+          <p:cNvSpPr>
+            <a:spLocks noGrp="1"/>
+          </p:cNvSpPr>
+          <p:nvPr>
+            <p:ph type="title"/>
+          </p:nvPr>
+        </p:nvSpPr>
+        <p:spPr/>
+        <p:txBody>
+          <a:bodyPr/>
+          <a:lstStyle/>
+          <a:p>
+            <a:r>
+              <a:rPr lang="sk-SK" dirty="0" smtClean="0"/>
+              <a:t>Neurónová sieť</a:t>
+            </a:r>
+            <a:endParaRPr lang="sk-SK" dirty="0"/>
+          </a:p>
+        </p:txBody>
+      </p:sp>
+      <p:sp>
+        <p:nvSpPr>
+          <p:cNvPr id="3" name="Zástupný symbol obsahu 2"/>
+          <p:cNvSpPr>
+            <a:spLocks noGrp="1"/>
+          </p:cNvSpPr>
+          <p:nvPr>
+            <p:ph idx="1"/>
+          </p:nvPr>
+        </p:nvSpPr>
+        <p:spPr>
+          <a:xfrm>
+            <a:off x="685802" y="2142068"/>
+            <a:ext cx="3067592" cy="1985796"/>
+          </a:xfrm>
+        </p:spPr>
+        <p:txBody>
+          <a:bodyPr/>
+          <a:lstStyle/>
+          <a:p>
+            <a:pPr marL="0" indent="0">
+              <a:buNone/>
+            </a:pPr>
+            <a:r>
+              <a:rPr lang="sk-SK" b="1" dirty="0" err="1" smtClean="0"/>
+              <a:t>Keras</a:t>
+            </a:r>
+            <a:r>
+              <a:rPr lang="sk-SK" b="1" dirty="0"/>
+              <a:t> - GAME ACTION &amp; GAME ADVENTURE</a:t>
+            </a:r>
+            <a:endParaRPr lang="sk-SK" b="1" dirty="0" smtClean="0"/>
+          </a:p>
+          <a:p>
+            <a:r>
+              <a:rPr lang="sk-SK" dirty="0" smtClean="0"/>
+              <a:t>Nastavenie X, y a úprava </a:t>
+            </a:r>
+            <a:r>
+              <a:rPr lang="sk-SK" dirty="0"/>
+              <a:t>vstupu pomocou </a:t>
+            </a:r>
+            <a:r>
+              <a:rPr lang="sk-SK" dirty="0" err="1" smtClean="0"/>
+              <a:t>sc.fit_transform</a:t>
+            </a:r>
+            <a:r>
+              <a:rPr lang="sk-SK" dirty="0" smtClean="0"/>
+              <a:t>() pre </a:t>
+            </a:r>
+            <a:r>
+              <a:rPr lang="sk-SK" dirty="0" err="1" smtClean="0"/>
+              <a:t>Keras</a:t>
+            </a:r>
+            <a:r>
+              <a:rPr lang="sk-SK" dirty="0" smtClean="0"/>
+              <a:t>:</a:t>
+            </a:r>
+            <a:endParaRPr lang="sk-SK" dirty="0"/>
+          </a:p>
+          <a:p>
+            <a:endParaRPr lang="sk-SK" dirty="0"/>
+          </a:p>
+        </p:txBody>
+      </p:sp>
+      <p:pic>
+        <p:nvPicPr>
+          <p:cNvPr id="5" name="Obrázok 4"/>
+          <p:cNvPicPr>
+            <a:picLocks noChangeAspect="1"/>
+          </p:cNvPicPr>
+          <p:nvPr/>
+        </p:nvPicPr>
+        <p:blipFill>
+          <a:blip r:embed="rId2"/>
+          <a:stretch>
+            <a:fillRect/>
+          </a:stretch>
+        </p:blipFill>
+        <p:spPr>
+          <a:xfrm>
+            <a:off x="4573505" y="1724274"/>
+            <a:ext cx="5851835" cy="4807180"/>
+          </a:xfrm>
+          <a:prstGeom prst="rect">
+            <a:avLst/>
+          </a:prstGeom>
+          <a:ln w="38100" cap="sq">
+            <a:solidFill>
+              <a:srgbClr val="000000"/>
+            </a:solidFill>
+            <a:prstDash val="solid"/>
+            <a:miter lim="800000"/>
+          </a:ln>
+          <a:effectLst>
+            <a:outerShdw blurRad="50800" dist="38100" dir="2700000" algn="tl" rotWithShape="0">
+              <a:srgbClr val="000000">
+                <a:alpha val="43000"/>
+              </a:srgbClr>
+            </a:outerShdw>
+          </a:effectLst>
+        </p:spPr>
+      </p:pic>
+    </p:spTree>
+    <p:extLst>
+      <p:ext uri="{BB962C8B-B14F-4D97-AF65-F5344CB8AC3E}">
+        <p14:creationId xmlns:p14="http://schemas.microsoft.com/office/powerpoint/2010/main" val="720008050"/>
+      </p:ext>
+    </p:extLst>
+  </p:cSld>
+  <p:clrMapOvr>
+    <a:masterClrMapping/>
+  </p:clrMapOvr>
+  <p:timing>
+    <p:tnLst>
+      <p:par>
+        <p:cTn id="1" dur="indefinite" restart="never" nodeType="tmRoot"/>
+      </p:par>
+    </p:tnLst>
+  </p:timing>
+</p:sld>
+</file>
+
+<file path=ppt/slides/slide14.xml><?xml version="1.0" encoding="utf-8"?>
+<p:sld xmlns:a="http://schemas.openxmlformats.org/drawingml/2006/main" xmlns:r="http://schemas.openxmlformats.org/officeDocument/2006/relationships" xmlns:p="http://schemas.openxmlformats.org/presentationml/2006/main">
+  <p:cSld>
+    <p:spTree>
+      <p:nvGrpSpPr>
+        <p:cNvPr id="1" name=""/>
+        <p:cNvGrpSpPr/>
+        <p:nvPr/>
+      </p:nvGrpSpPr>
+      <p:grpSpPr>
+        <a:xfrm>
+          <a:off x="0" y="0"/>
+          <a:ext cx="0" cy="0"/>
+          <a:chOff x="0" y="0"/>
+          <a:chExt cx="0" cy="0"/>
+        </a:xfrm>
+      </p:grpSpPr>
+      <p:sp>
+        <p:nvSpPr>
+          <p:cNvPr id="2" name="Nadpis 1"/>
+          <p:cNvSpPr>
+            <a:spLocks noGrp="1"/>
+          </p:cNvSpPr>
+          <p:nvPr>
+            <p:ph type="title"/>
+          </p:nvPr>
+        </p:nvSpPr>
+        <p:spPr/>
+        <p:txBody>
+          <a:bodyPr/>
+          <a:lstStyle/>
+          <a:p>
+            <a:r>
+              <a:rPr lang="sk-SK" dirty="0" smtClean="0"/>
+              <a:t>Neurónová sieť</a:t>
+            </a:r>
+            <a:endParaRPr lang="sk-SK" dirty="0"/>
+          </a:p>
+        </p:txBody>
+      </p:sp>
+      <p:sp>
+        <p:nvSpPr>
+          <p:cNvPr id="3" name="Zástupný symbol obsahu 2"/>
+          <p:cNvSpPr>
+            <a:spLocks noGrp="1"/>
+          </p:cNvSpPr>
+          <p:nvPr>
+            <p:ph idx="1"/>
+          </p:nvPr>
+        </p:nvSpPr>
+        <p:spPr>
+          <a:xfrm>
+            <a:off x="685802" y="2142068"/>
+            <a:ext cx="3050175" cy="1724537"/>
+          </a:xfrm>
+        </p:spPr>
+        <p:txBody>
+          <a:bodyPr/>
+          <a:lstStyle/>
+          <a:p>
+            <a:pPr marL="0" indent="0">
+              <a:buNone/>
+            </a:pPr>
+            <a:r>
+              <a:rPr lang="sk-SK" b="1" dirty="0" err="1" smtClean="0"/>
+              <a:t>Keras</a:t>
+            </a:r>
+            <a:r>
+              <a:rPr lang="sk-SK" b="1" dirty="0"/>
+              <a:t> - GAME ACTION &amp; GAME ADVENTURE</a:t>
+            </a:r>
+            <a:endParaRPr lang="sk-SK" b="1" dirty="0" smtClean="0"/>
+          </a:p>
+          <a:p>
+            <a:r>
+              <a:rPr lang="sk-SK" dirty="0"/>
+              <a:t>Skryté, koncové vrstvy, nastavenie:</a:t>
+            </a:r>
+          </a:p>
+          <a:p>
+            <a:pPr marL="0" indent="0">
+              <a:buNone/>
+            </a:pPr>
+            <a:endParaRPr lang="sk-SK" dirty="0"/>
+          </a:p>
+        </p:txBody>
+      </p:sp>
+      <p:pic>
+        <p:nvPicPr>
+          <p:cNvPr id="4" name="Obrázok 3"/>
+          <p:cNvPicPr>
+            <a:picLocks noChangeAspect="1"/>
+          </p:cNvPicPr>
+          <p:nvPr/>
+        </p:nvPicPr>
+        <p:blipFill>
+          <a:blip r:embed="rId2"/>
+          <a:stretch>
+            <a:fillRect/>
+          </a:stretch>
+        </p:blipFill>
+        <p:spPr>
+          <a:xfrm>
+            <a:off x="4318706" y="2065867"/>
+            <a:ext cx="5993423" cy="4483969"/>
+          </a:xfrm>
+          <a:prstGeom prst="rect">
+            <a:avLst/>
+          </a:prstGeom>
+          <a:ln w="38100" cap="sq">
+            <a:solidFill>
+              <a:srgbClr val="000000"/>
+            </a:solidFill>
+            <a:prstDash val="solid"/>
+            <a:miter lim="800000"/>
+          </a:ln>
+          <a:effectLst>
+            <a:outerShdw blurRad="50800" dist="38100" dir="2700000" algn="tl" rotWithShape="0">
+              <a:srgbClr val="000000">
+                <a:alpha val="43000"/>
+              </a:srgbClr>
+            </a:outerShdw>
+          </a:effectLst>
+        </p:spPr>
+      </p:pic>
+    </p:spTree>
+    <p:extLst>
+      <p:ext uri="{BB962C8B-B14F-4D97-AF65-F5344CB8AC3E}">
+        <p14:creationId xmlns:p14="http://schemas.microsoft.com/office/powerpoint/2010/main" val="3278830177"/>
+      </p:ext>
+    </p:extLst>
+  </p:cSld>
+  <p:clrMapOvr>
+    <a:masterClrMapping/>
+  </p:clrMapOvr>
+  <p:timing>
+    <p:tnLst>
+      <p:par>
+        <p:cTn id="1" dur="indefinite" restart="never" nodeType="tmRoot"/>
+      </p:par>
+    </p:tnLst>
+  </p:timing>
+</p:sld>
+</file>
+
+<file path=ppt/slides/slide15.xml><?xml version="1.0" encoding="utf-8"?>
+<p:sld xmlns:a="http://schemas.openxmlformats.org/drawingml/2006/main" xmlns:r="http://schemas.openxmlformats.org/officeDocument/2006/relationships" xmlns:p="http://schemas.openxmlformats.org/presentationml/2006/main">
+  <p:cSld>
+    <p:spTree>
+      <p:nvGrpSpPr>
+        <p:cNvPr id="1" name=""/>
+        <p:cNvGrpSpPr/>
+        <p:nvPr/>
+      </p:nvGrpSpPr>
+      <p:grpSpPr>
+        <a:xfrm>
+          <a:off x="0" y="0"/>
+          <a:ext cx="0" cy="0"/>
+          <a:chOff x="0" y="0"/>
+          <a:chExt cx="0" cy="0"/>
+        </a:xfrm>
+      </p:grpSpPr>
+      <p:sp>
+        <p:nvSpPr>
+          <p:cNvPr id="2" name="Nadpis 1"/>
+          <p:cNvSpPr>
+            <a:spLocks noGrp="1"/>
+          </p:cNvSpPr>
+          <p:nvPr>
+            <p:ph type="title"/>
+          </p:nvPr>
+        </p:nvSpPr>
+        <p:spPr/>
+        <p:txBody>
+          <a:bodyPr/>
+          <a:lstStyle/>
+          <a:p>
+            <a:r>
+              <a:rPr lang="sk-SK" dirty="0" smtClean="0"/>
+              <a:t>Neurónová sieť</a:t>
+            </a:r>
+            <a:endParaRPr lang="sk-SK" dirty="0"/>
+          </a:p>
+        </p:txBody>
+      </p:sp>
+      <p:sp>
+        <p:nvSpPr>
+          <p:cNvPr id="3" name="Zástupný symbol obsahu 2"/>
+          <p:cNvSpPr>
+            <a:spLocks noGrp="1"/>
+          </p:cNvSpPr>
+          <p:nvPr>
+            <p:ph idx="1"/>
+          </p:nvPr>
+        </p:nvSpPr>
+        <p:spPr>
+          <a:xfrm>
+            <a:off x="685802" y="2142068"/>
+            <a:ext cx="2902129" cy="1724537"/>
+          </a:xfrm>
+        </p:spPr>
+        <p:txBody>
+          <a:bodyPr/>
+          <a:lstStyle/>
+          <a:p>
+            <a:pPr marL="0" indent="0">
+              <a:buNone/>
+            </a:pPr>
+            <a:r>
+              <a:rPr lang="sk-SK" b="1" dirty="0" err="1" smtClean="0"/>
+              <a:t>Keras</a:t>
+            </a:r>
+            <a:r>
+              <a:rPr lang="sk-SK" b="1" dirty="0"/>
+              <a:t> - GAME ACTION &amp; GAME ADVENTURE</a:t>
+            </a:r>
+            <a:endParaRPr lang="sk-SK" b="1" dirty="0" smtClean="0"/>
+          </a:p>
+          <a:p>
+            <a:r>
+              <a:rPr lang="sk-SK" dirty="0" smtClean="0"/>
+              <a:t>Spustenie </a:t>
+            </a:r>
+            <a:r>
+              <a:rPr lang="sk-SK" dirty="0" err="1" smtClean="0"/>
+              <a:t>Kerasu</a:t>
+            </a:r>
+            <a:r>
+              <a:rPr lang="sk-SK" dirty="0" smtClean="0"/>
+              <a:t> – neurónovej siete:</a:t>
+            </a:r>
+            <a:endParaRPr lang="sk-SK" dirty="0"/>
+          </a:p>
+          <a:p>
+            <a:pPr marL="0" indent="0">
+              <a:buNone/>
+            </a:pPr>
+            <a:endParaRPr lang="sk-SK" dirty="0"/>
+          </a:p>
+        </p:txBody>
+      </p:sp>
+      <p:pic>
+        <p:nvPicPr>
+          <p:cNvPr id="5" name="Obrázok 4"/>
+          <p:cNvPicPr>
+            <a:picLocks noChangeAspect="1"/>
+          </p:cNvPicPr>
+          <p:nvPr/>
+        </p:nvPicPr>
+        <p:blipFill>
+          <a:blip r:embed="rId2"/>
+          <a:stretch>
+            <a:fillRect/>
+          </a:stretch>
+        </p:blipFill>
+        <p:spPr>
+          <a:xfrm>
+            <a:off x="3518263" y="2142068"/>
+            <a:ext cx="7674954" cy="3510310"/>
+          </a:xfrm>
+          <a:prstGeom prst="rect">
+            <a:avLst/>
+          </a:prstGeom>
+          <a:ln w="38100" cap="sq">
+            <a:solidFill>
+              <a:srgbClr val="000000"/>
+            </a:solidFill>
+            <a:prstDash val="solid"/>
+            <a:miter lim="800000"/>
+          </a:ln>
+          <a:effectLst>
+            <a:outerShdw blurRad="50800" dist="38100" dir="2700000" algn="tl" rotWithShape="0">
+              <a:srgbClr val="000000">
+                <a:alpha val="43000"/>
+              </a:srgbClr>
+            </a:outerShdw>
+          </a:effectLst>
+        </p:spPr>
+      </p:pic>
+    </p:spTree>
+    <p:extLst>
+      <p:ext uri="{BB962C8B-B14F-4D97-AF65-F5344CB8AC3E}">
+        <p14:creationId xmlns:p14="http://schemas.microsoft.com/office/powerpoint/2010/main" val="1824349679"/>
+      </p:ext>
+    </p:extLst>
+  </p:cSld>
+  <p:clrMapOvr>
+    <a:masterClrMapping/>
+  </p:clrMapOvr>
+  <p:timing>
+    <p:tnLst>
+      <p:par>
+        <p:cTn id="1" dur="indefinite" restart="never" nodeType="tmRoot"/>
+      </p:par>
+    </p:tnLst>
+  </p:timing>
+</p:sld>
+</file>
+
+<file path=ppt/slides/slide16.xml><?xml version="1.0" encoding="utf-8"?>
+<p:sld xmlns:a="http://schemas.openxmlformats.org/drawingml/2006/main" xmlns:r="http://schemas.openxmlformats.org/officeDocument/2006/relationships" xmlns:p="http://schemas.openxmlformats.org/presentationml/2006/main">
+  <p:cSld>
+    <p:spTree>
+      <p:nvGrpSpPr>
+        <p:cNvPr id="1" name=""/>
+        <p:cNvGrpSpPr/>
+        <p:nvPr/>
+      </p:nvGrpSpPr>
+      <p:grpSpPr>
+        <a:xfrm>
+          <a:off x="0" y="0"/>
+          <a:ext cx="0" cy="0"/>
+          <a:chOff x="0" y="0"/>
+          <a:chExt cx="0" cy="0"/>
+        </a:xfrm>
+      </p:grpSpPr>
+      <p:sp>
+        <p:nvSpPr>
+          <p:cNvPr id="2" name="Nadpis 1"/>
+          <p:cNvSpPr>
+            <a:spLocks noGrp="1"/>
+          </p:cNvSpPr>
+          <p:nvPr>
+            <p:ph type="title"/>
+          </p:nvPr>
+        </p:nvSpPr>
+        <p:spPr/>
+        <p:txBody>
+          <a:bodyPr/>
+          <a:lstStyle/>
+          <a:p>
+            <a:r>
+              <a:rPr lang="sk-SK" dirty="0" smtClean="0"/>
+              <a:t>Neurónová sieť</a:t>
+            </a:r>
+            <a:endParaRPr lang="sk-SK" dirty="0"/>
+          </a:p>
+        </p:txBody>
+      </p:sp>
+      <p:sp>
+        <p:nvSpPr>
+          <p:cNvPr id="3" name="Zástupný symbol obsahu 2"/>
+          <p:cNvSpPr>
+            <a:spLocks noGrp="1"/>
+          </p:cNvSpPr>
+          <p:nvPr>
+            <p:ph idx="1"/>
+          </p:nvPr>
+        </p:nvSpPr>
+        <p:spPr>
+          <a:xfrm>
+            <a:off x="685802" y="2142068"/>
+            <a:ext cx="2516477" cy="1445863"/>
+          </a:xfrm>
+        </p:spPr>
+        <p:txBody>
+          <a:bodyPr/>
+          <a:lstStyle/>
+          <a:p>
+            <a:pPr marL="0" indent="0">
+              <a:buNone/>
+            </a:pPr>
+            <a:r>
+              <a:rPr lang="sk-SK" b="1" dirty="0" err="1" smtClean="0"/>
+              <a:t>Keras</a:t>
+            </a:r>
+            <a:r>
+              <a:rPr lang="sk-SK" b="1" dirty="0"/>
+              <a:t> - GAME ACTION &amp; GAME ADVENTURE</a:t>
+            </a:r>
+            <a:endParaRPr lang="sk-SK" b="1" dirty="0" smtClean="0"/>
+          </a:p>
+          <a:p>
+            <a:r>
+              <a:rPr lang="sk-SK" dirty="0" smtClean="0"/>
+              <a:t>Presnosť (</a:t>
+            </a:r>
+            <a:r>
+              <a:rPr lang="en-US" dirty="0" smtClean="0"/>
+              <a:t>%</a:t>
+            </a:r>
+            <a:r>
+              <a:rPr lang="sk-SK" dirty="0" smtClean="0"/>
+              <a:t>):</a:t>
+            </a:r>
+            <a:endParaRPr lang="sk-SK" dirty="0"/>
+          </a:p>
+          <a:p>
+            <a:pPr marL="0" indent="0">
+              <a:buNone/>
+            </a:pPr>
+            <a:endParaRPr lang="sk-SK" dirty="0"/>
+          </a:p>
+        </p:txBody>
+      </p:sp>
+      <p:pic>
+        <p:nvPicPr>
+          <p:cNvPr id="6" name="Obrázok 5"/>
+          <p:cNvPicPr>
+            <a:picLocks noChangeAspect="1"/>
+          </p:cNvPicPr>
+          <p:nvPr/>
+        </p:nvPicPr>
+        <p:blipFill>
+          <a:blip r:embed="rId2"/>
+          <a:stretch>
+            <a:fillRect/>
+          </a:stretch>
+        </p:blipFill>
+        <p:spPr>
+          <a:xfrm>
+            <a:off x="3202279" y="2065867"/>
+            <a:ext cx="7694440" cy="2259967"/>
+          </a:xfrm>
+          <a:prstGeom prst="rect">
+            <a:avLst/>
+          </a:prstGeom>
+          <a:ln w="38100" cap="sq">
+            <a:solidFill>
+              <a:srgbClr val="000000"/>
+            </a:solidFill>
+            <a:prstDash val="solid"/>
+            <a:miter lim="800000"/>
+          </a:ln>
+          <a:effectLst>
+            <a:outerShdw blurRad="50800" dist="38100" dir="2700000" algn="tl" rotWithShape="0">
+              <a:srgbClr val="000000">
+                <a:alpha val="43000"/>
+              </a:srgbClr>
+            </a:outerShdw>
+          </a:effectLst>
+        </p:spPr>
+      </p:pic>
+      <p:pic>
+        <p:nvPicPr>
+          <p:cNvPr id="4" name="Obrázok 3"/>
+          <p:cNvPicPr>
+            <a:picLocks noChangeAspect="1"/>
+          </p:cNvPicPr>
+          <p:nvPr/>
+        </p:nvPicPr>
+        <p:blipFill>
+          <a:blip r:embed="rId3"/>
+          <a:stretch>
+            <a:fillRect/>
+          </a:stretch>
+        </p:blipFill>
+        <p:spPr>
+          <a:xfrm>
+            <a:off x="1673827" y="4349487"/>
+            <a:ext cx="3359727" cy="2327226"/>
+          </a:xfrm>
+          <a:prstGeom prst="rect">
+            <a:avLst/>
+          </a:prstGeom>
+          <a:ln w="38100" cap="sq">
+            <a:solidFill>
+              <a:srgbClr val="000000"/>
+            </a:solidFill>
+            <a:prstDash val="solid"/>
+            <a:miter lim="800000"/>
+          </a:ln>
+          <a:effectLst>
+            <a:outerShdw blurRad="50800" dist="38100" dir="2700000" algn="tl" rotWithShape="0">
+              <a:srgbClr val="000000">
+                <a:alpha val="43000"/>
+              </a:srgbClr>
+            </a:outerShdw>
+          </a:effectLst>
+        </p:spPr>
+      </p:pic>
+      <p:pic>
+        <p:nvPicPr>
+          <p:cNvPr id="5" name="Obrázok 4"/>
+          <p:cNvPicPr>
+            <a:picLocks noChangeAspect="1"/>
+          </p:cNvPicPr>
+          <p:nvPr/>
+        </p:nvPicPr>
+        <p:blipFill>
+          <a:blip r:embed="rId4"/>
+          <a:stretch>
+            <a:fillRect/>
+          </a:stretch>
+        </p:blipFill>
+        <p:spPr>
+          <a:xfrm>
+            <a:off x="5033554" y="4349487"/>
+            <a:ext cx="3462058" cy="2327226"/>
+          </a:xfrm>
+          <a:prstGeom prst="rect">
+            <a:avLst/>
+          </a:prstGeom>
+          <a:ln w="38100" cap="sq">
+            <a:solidFill>
+              <a:srgbClr val="000000"/>
+            </a:solidFill>
+            <a:prstDash val="solid"/>
+            <a:miter lim="800000"/>
+          </a:ln>
+          <a:effectLst>
+            <a:outerShdw blurRad="50800" dist="38100" dir="2700000" algn="tl" rotWithShape="0">
+              <a:srgbClr val="000000">
+                <a:alpha val="43000"/>
+              </a:srgbClr>
+            </a:outerShdw>
+          </a:effectLst>
+        </p:spPr>
+      </p:pic>
+    </p:spTree>
+    <p:extLst>
+      <p:ext uri="{BB962C8B-B14F-4D97-AF65-F5344CB8AC3E}">
+        <p14:creationId xmlns:p14="http://schemas.microsoft.com/office/powerpoint/2010/main" val="3277647194"/>
+      </p:ext>
+    </p:extLst>
+  </p:cSld>
+  <p:clrMapOvr>
+    <a:masterClrMapping/>
+  </p:clrMapOvr>
+  <p:timing>
+    <p:tnLst>
+      <p:par>
+        <p:cTn id="1" dur="indefinite" restart="never" nodeType="tmRoot"/>
+      </p:par>
+    </p:tnLst>
+  </p:timing>
+</p:sld>
+</file>
+
+<file path=ppt/slides/slide17.xml><?xml version="1.0" encoding="utf-8"?>
+<p:sld xmlns:a="http://schemas.openxmlformats.org/drawingml/2006/main" xmlns:r="http://schemas.openxmlformats.org/officeDocument/2006/relationships" xmlns:p="http://schemas.openxmlformats.org/presentationml/2006/main">
+  <p:cSld>
+    <p:spTree>
+      <p:nvGrpSpPr>
+        <p:cNvPr id="1" name=""/>
+        <p:cNvGrpSpPr/>
+        <p:nvPr/>
+      </p:nvGrpSpPr>
+      <p:grpSpPr>
+        <a:xfrm>
+          <a:off x="0" y="0"/>
+          <a:ext cx="0" cy="0"/>
+          <a:chOff x="0" y="0"/>
+          <a:chExt cx="0" cy="0"/>
+        </a:xfrm>
+      </p:grpSpPr>
+      <p:sp>
+        <p:nvSpPr>
+          <p:cNvPr id="2" name="Nadpis 1"/>
+          <p:cNvSpPr>
+            <a:spLocks noGrp="1"/>
+          </p:cNvSpPr>
+          <p:nvPr>
+            <p:ph type="title"/>
+          </p:nvPr>
+        </p:nvSpPr>
+        <p:spPr/>
+        <p:txBody>
+          <a:bodyPr/>
+          <a:lstStyle/>
+          <a:p>
+            <a:r>
+              <a:rPr lang="sk-SK" dirty="0" smtClean="0"/>
               <a:t>Ďakujem za pozornosť!</a:t>
             </a:r>
             <a:endParaRPr lang="sk-SK" dirty="0"/>
@@ -6002,7 +7226,12 @@
             <p:ph idx="1"/>
           </p:nvPr>
         </p:nvSpPr>
-        <p:spPr/>
+        <p:spPr>
+          <a:xfrm>
+            <a:off x="685801" y="2142068"/>
+            <a:ext cx="2475409" cy="993018"/>
+          </a:xfrm>
+        </p:spPr>
         <p:txBody>
           <a:bodyPr/>
           <a:lstStyle/>
@@ -6071,6 +7300,182 @@
   <p:clrMapOvr>
     <a:masterClrMapping/>
   </p:clrMapOvr>
+  <p:timing>
+    <p:tnLst>
+      <p:par>
+        <p:cTn id="1" dur="indefinite" restart="never" nodeType="tmRoot"/>
+      </p:par>
+    </p:tnLst>
+  </p:timing>
+</p:sld>
+</file>
+
+<file path=ppt/slides/slide18.xml><?xml version="1.0" encoding="utf-8"?>
+<p:sld xmlns:a="http://schemas.openxmlformats.org/drawingml/2006/main" xmlns:r="http://schemas.openxmlformats.org/officeDocument/2006/relationships" xmlns:p="http://schemas.openxmlformats.org/presentationml/2006/main">
+  <p:cSld>
+    <p:spTree>
+      <p:nvGrpSpPr>
+        <p:cNvPr id="1" name=""/>
+        <p:cNvGrpSpPr/>
+        <p:nvPr/>
+      </p:nvGrpSpPr>
+      <p:grpSpPr>
+        <a:xfrm>
+          <a:off x="0" y="0"/>
+          <a:ext cx="0" cy="0"/>
+          <a:chOff x="0" y="0"/>
+          <a:chExt cx="0" cy="0"/>
+        </a:xfrm>
+      </p:grpSpPr>
+      <p:sp>
+        <p:nvSpPr>
+          <p:cNvPr id="2" name="Nadpis 1"/>
+          <p:cNvSpPr>
+            <a:spLocks noGrp="1"/>
+          </p:cNvSpPr>
+          <p:nvPr>
+            <p:ph type="title"/>
+          </p:nvPr>
+        </p:nvSpPr>
+        <p:spPr/>
+        <p:txBody>
+          <a:bodyPr/>
+          <a:lstStyle/>
+          <a:p>
+            <a:r>
+              <a:rPr lang="en-US" dirty="0" err="1" smtClean="0"/>
+              <a:t>zdroje</a:t>
+            </a:r>
+            <a:endParaRPr lang="sk-SK" dirty="0"/>
+          </a:p>
+        </p:txBody>
+      </p:sp>
+      <p:sp>
+        <p:nvSpPr>
+          <p:cNvPr id="3" name="Zástupný symbol obsahu 2"/>
+          <p:cNvSpPr>
+            <a:spLocks noGrp="1"/>
+          </p:cNvSpPr>
+          <p:nvPr>
+            <p:ph idx="1"/>
+          </p:nvPr>
+        </p:nvSpPr>
+        <p:spPr/>
+        <p:txBody>
+          <a:bodyPr/>
+          <a:lstStyle/>
+          <a:p>
+            <a:r>
+              <a:rPr lang="sk-SK" dirty="0">
+                <a:hlinkClick r:id="rId2"/>
+              </a:rPr>
+              <a:t>https://</a:t>
+            </a:r>
+            <a:r>
+              <a:rPr lang="sk-SK" dirty="0" smtClean="0">
+                <a:hlinkClick r:id="rId2"/>
+              </a:rPr>
+              <a:t>www.kaggle.com/dhruvildave/top-play-store-games</a:t>
+            </a:r>
+            <a:endParaRPr lang="sk-SK" dirty="0" smtClean="0"/>
+          </a:p>
+          <a:p>
+            <a:r>
+              <a:rPr lang="sk-SK" dirty="0">
+                <a:hlinkClick r:id="rId3"/>
+              </a:rPr>
+              <a:t>https://keras.io/getting_started/intro_to_keras_for_engineers</a:t>
+            </a:r>
+            <a:r>
+              <a:rPr lang="sk-SK" dirty="0" smtClean="0">
+                <a:hlinkClick r:id="rId3"/>
+              </a:rPr>
+              <a:t>/</a:t>
+            </a:r>
+            <a:endParaRPr lang="sk-SK" dirty="0" smtClean="0"/>
+          </a:p>
+          <a:p>
+            <a:r>
+              <a:rPr lang="sk-SK" dirty="0">
+                <a:hlinkClick r:id="rId4"/>
+              </a:rPr>
+              <a:t>https://</a:t>
+            </a:r>
+            <a:r>
+              <a:rPr lang="sk-SK" dirty="0" smtClean="0">
+                <a:hlinkClick r:id="rId4"/>
+              </a:rPr>
+              <a:t>www.meteopress.cz/wp-content/uploads/2019/08/5.jpg</a:t>
+            </a:r>
+            <a:endParaRPr lang="sk-SK" dirty="0" smtClean="0"/>
+          </a:p>
+          <a:p>
+            <a:r>
+              <a:rPr lang="sk-SK" dirty="0">
+                <a:hlinkClick r:id="rId5"/>
+              </a:rPr>
+              <a:t>https://</a:t>
+            </a:r>
+            <a:r>
+              <a:rPr lang="sk-SK" dirty="0" smtClean="0">
+                <a:hlinkClick r:id="rId5"/>
+              </a:rPr>
+              <a:t>www.pnglib.com/wp-content/uploads/2020/08/android-robot-coffee_5f34310ac592e.png</a:t>
+            </a:r>
+            <a:endParaRPr lang="sk-SK" dirty="0" smtClean="0"/>
+          </a:p>
+          <a:p>
+            <a:r>
+              <a:rPr lang="sk-SK" dirty="0">
+                <a:hlinkClick r:id="rId6"/>
+              </a:rPr>
+              <a:t>https://</a:t>
+            </a:r>
+            <a:r>
+              <a:rPr lang="sk-SK" dirty="0" smtClean="0">
+                <a:hlinkClick r:id="rId6"/>
+              </a:rPr>
+              <a:t>www.kaggle.com/marcogherbezza/data-visualization-of-the-top-games-on-play-store</a:t>
+            </a:r>
+            <a:endParaRPr lang="sk-SK" dirty="0" smtClean="0"/>
+          </a:p>
+          <a:p>
+            <a:r>
+              <a:rPr lang="sk-SK" dirty="0">
+                <a:hlinkClick r:id="rId7"/>
+              </a:rPr>
+              <a:t>https://</a:t>
+            </a:r>
+            <a:r>
+              <a:rPr lang="sk-SK" dirty="0" smtClean="0">
+                <a:hlinkClick r:id="rId7"/>
+              </a:rPr>
+              <a:t>www.kaggle.com/ruslannuriyev/a-look-at-the-game-market-on-google-play</a:t>
+            </a:r>
+            <a:endParaRPr lang="sk-SK" dirty="0" smtClean="0"/>
+          </a:p>
+          <a:p>
+            <a:endParaRPr lang="sk-SK" dirty="0"/>
+          </a:p>
+        </p:txBody>
+      </p:sp>
+    </p:spTree>
+    <p:extLst>
+      <p:ext uri="{BB962C8B-B14F-4D97-AF65-F5344CB8AC3E}">
+        <p14:creationId xmlns:p14="http://schemas.microsoft.com/office/powerpoint/2010/main" val="3406355905"/>
+      </p:ext>
+    </p:extLst>
+  </p:cSld>
+  <p:clrMapOvr>
+    <a:masterClrMapping/>
+  </p:clrMapOvr>
+  <p:timing>
+    <p:tnLst>
+      <p:par>
+        <p:cTn id="1" dur="indefinite" restart="never" nodeType="tmRoot"/>
+      </p:par>
+    </p:tnLst>
+  </p:timing>
 </p:sld>
 </file>
 
@@ -6126,13 +7531,229 @@
         </p:nvSpPr>
         <p:spPr/>
         <p:txBody>
-          <a:bodyPr/>
-          <a:lstStyle/>
-          <a:p>
+          <a:bodyPr>
+            <a:normAutofit/>
+          </a:bodyPr>
+          <a:lstStyle/>
+          <a:p>
+            <a:pPr marL="0" indent="0">
+              <a:buNone/>
+            </a:pPr>
+            <a:r>
+              <a:rPr lang="sk-SK" b="1" dirty="0" smtClean="0"/>
+              <a:t>Knižnice</a:t>
+            </a:r>
+          </a:p>
+          <a:p>
+            <a:r>
+              <a:rPr lang="sk-SK" dirty="0"/>
+              <a:t>import </a:t>
+            </a:r>
+            <a:r>
+              <a:rPr lang="sk-SK" dirty="0" err="1"/>
+              <a:t>math</a:t>
+            </a:r>
             <a:endParaRPr lang="sk-SK" dirty="0"/>
           </a:p>
-        </p:txBody>
-      </p:sp>
+          <a:p>
+            <a:r>
+              <a:rPr lang="sk-SK" dirty="0"/>
+              <a:t>import </a:t>
+            </a:r>
+            <a:r>
+              <a:rPr lang="sk-SK" dirty="0" err="1"/>
+              <a:t>pandas</a:t>
+            </a:r>
+            <a:r>
+              <a:rPr lang="sk-SK" dirty="0"/>
+              <a:t> as </a:t>
+            </a:r>
+            <a:r>
+              <a:rPr lang="sk-SK" dirty="0" err="1"/>
+              <a:t>pd</a:t>
+            </a:r>
+            <a:endParaRPr lang="sk-SK" dirty="0"/>
+          </a:p>
+          <a:p>
+            <a:r>
+              <a:rPr lang="sk-SK" dirty="0"/>
+              <a:t>import </a:t>
+            </a:r>
+            <a:r>
+              <a:rPr lang="sk-SK" dirty="0" err="1"/>
+              <a:t>matplotlib.pyplot</a:t>
+            </a:r>
+            <a:r>
+              <a:rPr lang="sk-SK" dirty="0"/>
+              <a:t> as </a:t>
+            </a:r>
+            <a:r>
+              <a:rPr lang="sk-SK" dirty="0" err="1"/>
+              <a:t>plt</a:t>
+            </a:r>
+            <a:endParaRPr lang="sk-SK" dirty="0"/>
+          </a:p>
+          <a:p>
+            <a:r>
+              <a:rPr lang="sk-SK" dirty="0"/>
+              <a:t>import </a:t>
+            </a:r>
+            <a:r>
+              <a:rPr lang="sk-SK" dirty="0" err="1"/>
+              <a:t>seaborn</a:t>
+            </a:r>
+            <a:r>
+              <a:rPr lang="sk-SK" dirty="0"/>
+              <a:t> as </a:t>
+            </a:r>
+            <a:r>
+              <a:rPr lang="sk-SK" dirty="0" err="1"/>
+              <a:t>sns</a:t>
+            </a:r>
+            <a:endParaRPr lang="sk-SK" dirty="0"/>
+          </a:p>
+          <a:p>
+            <a:r>
+              <a:rPr lang="sk-SK" dirty="0"/>
+              <a:t>import </a:t>
+            </a:r>
+            <a:r>
+              <a:rPr lang="sk-SK" dirty="0" err="1"/>
+              <a:t>numpy</a:t>
+            </a:r>
+            <a:r>
+              <a:rPr lang="sk-SK" dirty="0"/>
+              <a:t> as </a:t>
+            </a:r>
+            <a:r>
+              <a:rPr lang="sk-SK" dirty="0" err="1"/>
+              <a:t>np</a:t>
+            </a:r>
+            <a:endParaRPr lang="sk-SK" dirty="0"/>
+          </a:p>
+          <a:p>
+            <a:r>
+              <a:rPr lang="sk-SK" dirty="0"/>
+              <a:t>import os</a:t>
+            </a:r>
+          </a:p>
+          <a:p>
+            <a:r>
+              <a:rPr lang="sk-SK" dirty="0"/>
+              <a:t>import </a:t>
+            </a:r>
+            <a:r>
+              <a:rPr lang="sk-SK" dirty="0" err="1"/>
+              <a:t>plotly.express</a:t>
+            </a:r>
+            <a:r>
+              <a:rPr lang="sk-SK" dirty="0"/>
+              <a:t> as </a:t>
+            </a:r>
+            <a:r>
+              <a:rPr lang="sk-SK" dirty="0" err="1" smtClean="0"/>
+              <a:t>px</a:t>
+            </a:r>
+            <a:endParaRPr lang="sk-SK" dirty="0" smtClean="0"/>
+          </a:p>
+        </p:txBody>
+      </p:sp>
+      <p:sp>
+        <p:nvSpPr>
+          <p:cNvPr id="4" name="Obdĺžnik 3"/>
+          <p:cNvSpPr/>
+          <p:nvPr/>
+        </p:nvSpPr>
+        <p:spPr>
+          <a:xfrm>
+            <a:off x="4013683" y="2065867"/>
+            <a:ext cx="4441371" cy="646331"/>
+          </a:xfrm>
+          <a:prstGeom prst="rect">
+            <a:avLst/>
+          </a:prstGeom>
+        </p:spPr>
+        <p:txBody>
+          <a:bodyPr wrap="square">
+            <a:spAutoFit/>
+          </a:bodyPr>
+          <a:lstStyle/>
+          <a:p>
+            <a:pPr marL="285750" indent="-285750">
+              <a:buFont typeface="Arial" panose="020B0604020202020204" pitchFamily="34" charset="0"/>
+              <a:buChar char="•"/>
+            </a:pPr>
+            <a:r>
+              <a:rPr lang="sk-SK" dirty="0" err="1"/>
+              <a:t>df</a:t>
+            </a:r>
+            <a:r>
+              <a:rPr lang="sk-SK" dirty="0"/>
+              <a:t> = </a:t>
+            </a:r>
+            <a:r>
+              <a:rPr lang="sk-SK" dirty="0" err="1"/>
+              <a:t>pd.read_csv</a:t>
+            </a:r>
+            <a:r>
+              <a:rPr lang="sk-SK" dirty="0"/>
+              <a:t>('android-games.csv')</a:t>
+            </a:r>
+          </a:p>
+          <a:p>
+            <a:pPr marL="285750" indent="-285750">
+              <a:buFont typeface="Arial" panose="020B0604020202020204" pitchFamily="34" charset="0"/>
+              <a:buChar char="•"/>
+            </a:pPr>
+            <a:r>
+              <a:rPr lang="sk-SK" dirty="0" err="1"/>
+              <a:t>df.head</a:t>
+            </a:r>
+            <a:r>
+              <a:rPr lang="sk-SK" dirty="0"/>
+              <a:t>(12)</a:t>
+            </a:r>
+          </a:p>
+        </p:txBody>
+      </p:sp>
+      <p:pic>
+        <p:nvPicPr>
+          <p:cNvPr id="5" name="Obrázok 4"/>
+          <p:cNvPicPr>
+            <a:picLocks noChangeAspect="1"/>
+          </p:cNvPicPr>
+          <p:nvPr/>
+        </p:nvPicPr>
+        <p:blipFill>
+          <a:blip r:embed="rId2"/>
+          <a:stretch>
+            <a:fillRect/>
+          </a:stretch>
+        </p:blipFill>
+        <p:spPr>
+          <a:xfrm>
+            <a:off x="4013683" y="2864598"/>
+            <a:ext cx="7786963" cy="3458915"/>
+          </a:xfrm>
+          <a:prstGeom prst="rect">
+            <a:avLst/>
+          </a:prstGeom>
+          <a:ln w="38100" cap="sq">
+            <a:solidFill>
+              <a:srgbClr val="000000"/>
+            </a:solidFill>
+            <a:prstDash val="solid"/>
+            <a:miter lim="800000"/>
+          </a:ln>
+          <a:effectLst>
+            <a:outerShdw blurRad="50800" dist="38100" dir="2700000" algn="tl" rotWithShape="0">
+              <a:srgbClr val="000000">
+                <a:alpha val="43000"/>
+              </a:srgbClr>
+            </a:outerShdw>
+          </a:effectLst>
+        </p:spPr>
+      </p:pic>
     </p:spTree>
     <p:extLst>
       <p:ext uri="{BB962C8B-B14F-4D97-AF65-F5344CB8AC3E}">
@@ -6143,6 +7764,13 @@
   <p:clrMapOvr>
     <a:masterClrMapping/>
   </p:clrMapOvr>
+  <p:timing>
+    <p:tnLst>
+      <p:par>
+        <p:cTn id="1" dur="indefinite" restart="never" nodeType="tmRoot"/>
+      </p:par>
+    </p:tnLst>
+  </p:timing>
 </p:sld>
 </file>
 
@@ -6180,11 +7808,7 @@
           <a:p>
             <a:r>
               <a:rPr lang="sk-SK" dirty="0" smtClean="0"/>
-              <a:t>Analýza</a:t>
-            </a:r>
-            <a:r>
-              <a:rPr lang="sk-SK" dirty="0" smtClean="0"/>
-              <a:t> dát</a:t>
+              <a:t>Analýza dát</a:t>
             </a:r>
             <a:endParaRPr lang="sk-SK" dirty="0"/>
           </a:p>
@@ -6200,15 +7824,66 @@
             <p:ph idx="1"/>
           </p:nvPr>
         </p:nvSpPr>
-        <p:spPr/>
+        <p:spPr>
+          <a:xfrm>
+            <a:off x="685801" y="2142067"/>
+            <a:ext cx="3128553" cy="966893"/>
+          </a:xfrm>
+        </p:spPr>
         <p:txBody>
           <a:bodyPr/>
           <a:lstStyle/>
           <a:p>
-            <a:endParaRPr lang="sk-SK"/>
-          </a:p>
-        </p:txBody>
-      </p:sp>
+            <a:r>
+              <a:rPr lang="sk-SK" b="1" dirty="0" smtClean="0"/>
+              <a:t>Zas</a:t>
+            </a:r>
+            <a:r>
+              <a:rPr lang="sk-SK" b="1" dirty="0" smtClean="0"/>
+              <a:t>túpenie kategórii hier:</a:t>
+            </a:r>
+            <a:endParaRPr lang="sk-SK" b="1" dirty="0"/>
+          </a:p>
+        </p:txBody>
+      </p:sp>
+      <p:pic>
+        <p:nvPicPr>
+          <p:cNvPr id="6" name="Obrázok 5"/>
+          <p:cNvPicPr>
+            <a:picLocks noChangeAspect="1"/>
+          </p:cNvPicPr>
+          <p:nvPr/>
+        </p:nvPicPr>
+        <p:blipFill>
+          <a:blip r:embed="rId2"/>
+          <a:stretch>
+            <a:fillRect/>
+          </a:stretch>
+        </p:blipFill>
+        <p:spPr>
+          <a:xfrm>
+            <a:off x="4441371" y="1558525"/>
+            <a:ext cx="5557801" cy="4621541"/>
+          </a:xfrm>
+          <a:prstGeom prst="rect">
+            <a:avLst/>
+          </a:prstGeom>
+          <a:ln w="38100" cap="sq">
+            <a:solidFill>
+              <a:srgbClr val="000000"/>
+            </a:solidFill>
+            <a:prstDash val="solid"/>
+            <a:miter lim="800000"/>
+          </a:ln>
+          <a:effectLst>
+            <a:outerShdw blurRad="50800" dist="38100" dir="2700000" algn="tl" rotWithShape="0">
+              <a:srgbClr val="000000">
+                <a:alpha val="43000"/>
+              </a:srgbClr>
+            </a:outerShdw>
+          </a:effectLst>
+        </p:spPr>
+      </p:pic>
     </p:spTree>
     <p:extLst>
       <p:ext uri="{BB962C8B-B14F-4D97-AF65-F5344CB8AC3E}">
@@ -6219,6 +7894,13 @@
   <p:clrMapOvr>
     <a:masterClrMapping/>
   </p:clrMapOvr>
+  <p:timing>
+    <p:tnLst>
+      <p:par>
+        <p:cTn id="1" dur="indefinite" restart="never" nodeType="tmRoot"/>
+      </p:par>
+    </p:tnLst>
+  </p:timing>
 </p:sld>
 </file>
 
@@ -6255,7 +7937,7 @@
           <a:lstStyle/>
           <a:p>
             <a:r>
-              <a:rPr lang="sk-SK" dirty="0"/>
+              <a:rPr lang="sk-SK" dirty="0" smtClean="0"/>
               <a:t>Analýza dát</a:t>
             </a:r>
             <a:endParaRPr lang="sk-SK" dirty="0"/>
@@ -6272,25 +7954,119 @@
             <p:ph idx="1"/>
           </p:nvPr>
         </p:nvSpPr>
-        <p:spPr/>
-        <p:txBody>
-          <a:bodyPr/>
-          <a:lstStyle/>
-          <a:p>
-            <a:endParaRPr lang="sk-SK"/>
-          </a:p>
-        </p:txBody>
-      </p:sp>
+        <p:spPr>
+          <a:xfrm>
+            <a:off x="685801" y="2142067"/>
+            <a:ext cx="3555273" cy="966893"/>
+          </a:xfrm>
+        </p:spPr>
+        <p:txBody>
+          <a:bodyPr>
+            <a:normAutofit/>
+          </a:bodyPr>
+          <a:lstStyle/>
+          <a:p>
+            <a:r>
+              <a:rPr lang="sk-SK" b="1" dirty="0" smtClean="0"/>
+              <a:t>Počet hier zadarmo a platených:</a:t>
+            </a:r>
+            <a:endParaRPr lang="sk-SK" b="1" dirty="0"/>
+          </a:p>
+        </p:txBody>
+      </p:sp>
+      <p:pic>
+        <p:nvPicPr>
+          <p:cNvPr id="4" name="Obrázok 3"/>
+          <p:cNvPicPr>
+            <a:picLocks noChangeAspect="1"/>
+          </p:cNvPicPr>
+          <p:nvPr/>
+        </p:nvPicPr>
+        <p:blipFill>
+          <a:blip r:embed="rId2"/>
+          <a:stretch>
+            <a:fillRect/>
+          </a:stretch>
+        </p:blipFill>
+        <p:spPr>
+          <a:xfrm>
+            <a:off x="4710769" y="2065867"/>
+            <a:ext cx="6201640" cy="4153480"/>
+          </a:xfrm>
+          <a:prstGeom prst="rect">
+            <a:avLst/>
+          </a:prstGeom>
+          <a:ln w="38100" cap="sq">
+            <a:solidFill>
+              <a:srgbClr val="000000"/>
+            </a:solidFill>
+            <a:prstDash val="solid"/>
+            <a:miter lim="800000"/>
+          </a:ln>
+          <a:effectLst>
+            <a:outerShdw blurRad="50800" dist="38100" dir="2700000" algn="tl" rotWithShape="0">
+              <a:srgbClr val="000000">
+                <a:alpha val="43000"/>
+              </a:srgbClr>
+            </a:outerShdw>
+          </a:effectLst>
+        </p:spPr>
+      </p:pic>
+      <p:pic>
+        <p:nvPicPr>
+          <p:cNvPr id="5" name="Obrázok 4"/>
+          <p:cNvPicPr>
+            <a:picLocks noChangeAspect="1"/>
+          </p:cNvPicPr>
+          <p:nvPr/>
+        </p:nvPicPr>
+        <p:blipFill>
+          <a:blip r:embed="rId3"/>
+          <a:stretch>
+            <a:fillRect/>
+          </a:stretch>
+        </p:blipFill>
+        <p:spPr>
+          <a:xfrm>
+            <a:off x="1234540" y="3666290"/>
+            <a:ext cx="2457793" cy="952633"/>
+          </a:xfrm>
+          <a:prstGeom prst="rect">
+            <a:avLst/>
+          </a:prstGeom>
+          <a:ln w="38100" cap="sq">
+            <a:solidFill>
+              <a:srgbClr val="000000"/>
+            </a:solidFill>
+            <a:prstDash val="solid"/>
+            <a:miter lim="800000"/>
+          </a:ln>
+          <a:effectLst>
+            <a:outerShdw blurRad="50800" dist="38100" dir="2700000" algn="tl" rotWithShape="0">
+              <a:srgbClr val="000000">
+                <a:alpha val="43000"/>
+              </a:srgbClr>
+            </a:outerShdw>
+          </a:effectLst>
+        </p:spPr>
+      </p:pic>
     </p:spTree>
     <p:extLst>
       <p:ext uri="{BB962C8B-B14F-4D97-AF65-F5344CB8AC3E}">
-        <p14:creationId xmlns:p14="http://schemas.microsoft.com/office/powerpoint/2010/main" val="1871367662"/>
+        <p14:creationId xmlns:p14="http://schemas.microsoft.com/office/powerpoint/2010/main" val="859621459"/>
       </p:ext>
     </p:extLst>
   </p:cSld>
   <p:clrMapOvr>
     <a:masterClrMapping/>
   </p:clrMapOvr>
+  <p:timing>
+    <p:tnLst>
+      <p:par>
+        <p:cTn id="1" dur="indefinite" restart="never" nodeType="tmRoot"/>
+      </p:par>
+    </p:tnLst>
+  </p:timing>
 </p:sld>
 </file>
 
@@ -6327,7 +8103,7 @@
           <a:lstStyle/>
           <a:p>
             <a:r>
-              <a:rPr lang="sk-SK" dirty="0"/>
+              <a:rPr lang="sk-SK" dirty="0" smtClean="0"/>
               <a:t>Analýza dát</a:t>
             </a:r>
             <a:endParaRPr lang="sk-SK" dirty="0"/>
@@ -6344,25 +8120,126 @@
             <p:ph idx="1"/>
           </p:nvPr>
         </p:nvSpPr>
-        <p:spPr/>
-        <p:txBody>
-          <a:bodyPr/>
-          <a:lstStyle/>
-          <a:p>
-            <a:endParaRPr lang="sk-SK"/>
-          </a:p>
-        </p:txBody>
-      </p:sp>
+        <p:spPr>
+          <a:xfrm>
+            <a:off x="685801" y="2142067"/>
+            <a:ext cx="3555273" cy="1332653"/>
+          </a:xfrm>
+        </p:spPr>
+        <p:txBody>
+          <a:bodyPr>
+            <a:normAutofit/>
+          </a:bodyPr>
+          <a:lstStyle/>
+          <a:p>
+            <a:r>
+              <a:rPr lang="sk-SK" b="1" dirty="0" smtClean="0"/>
+              <a:t>Počet inštalovaných hier jednotlivých kategórií:</a:t>
+            </a:r>
+          </a:p>
+          <a:p>
+            <a:pPr lvl="1"/>
+            <a:r>
+              <a:rPr lang="sk-SK" dirty="0" smtClean="0"/>
+              <a:t>Úprava</a:t>
+            </a:r>
+            <a:endParaRPr lang="sk-SK" dirty="0"/>
+          </a:p>
+        </p:txBody>
+      </p:sp>
+      <p:pic>
+        <p:nvPicPr>
+          <p:cNvPr id="6" name="Obrázok 5"/>
+          <p:cNvPicPr>
+            <a:picLocks noChangeAspect="1"/>
+          </p:cNvPicPr>
+          <p:nvPr/>
+        </p:nvPicPr>
+        <p:blipFill>
+          <a:blip r:embed="rId2"/>
+          <a:stretch>
+            <a:fillRect/>
+          </a:stretch>
+        </p:blipFill>
+        <p:spPr>
+          <a:xfrm>
+            <a:off x="1082119" y="3474720"/>
+            <a:ext cx="2762636" cy="1895740"/>
+          </a:xfrm>
+          <a:prstGeom prst="rect">
+            <a:avLst/>
+          </a:prstGeom>
+          <a:ln w="38100" cap="sq">
+            <a:solidFill>
+              <a:srgbClr val="000000"/>
+            </a:solidFill>
+            <a:prstDash val="solid"/>
+            <a:miter lim="800000"/>
+          </a:ln>
+          <a:effectLst>
+            <a:outerShdw blurRad="50800" dist="38100" dir="2700000" algn="tl" rotWithShape="0">
+              <a:srgbClr val="000000">
+                <a:alpha val="43000"/>
+              </a:srgbClr>
+            </a:outerShdw>
+          </a:effectLst>
+        </p:spPr>
+      </p:pic>
+      <p:pic>
+        <p:nvPicPr>
+          <p:cNvPr id="7" name="Obrázok 6"/>
+          <p:cNvPicPr>
+            <a:picLocks noChangeAspect="1"/>
+          </p:cNvPicPr>
+          <p:nvPr/>
+        </p:nvPicPr>
+        <p:blipFill>
+          <a:blip r:embed="rId3"/>
+          <a:stretch>
+            <a:fillRect/>
+          </a:stretch>
+        </p:blipFill>
+        <p:spPr>
+          <a:xfrm>
+            <a:off x="5547205" y="2293456"/>
+            <a:ext cx="4163006" cy="3077004"/>
+          </a:xfrm>
+          <a:prstGeom prst="rect">
+            <a:avLst/>
+          </a:prstGeom>
+          <a:ln w="38100" cap="sq">
+            <a:solidFill>
+              <a:srgbClr val="000000"/>
+            </a:solidFill>
+            <a:prstDash val="solid"/>
+            <a:miter lim="800000"/>
+          </a:ln>
+          <a:effectLst>
+            <a:outerShdw blurRad="50800" dist="38100" dir="2700000" algn="tl" rotWithShape="0">
+              <a:srgbClr val="000000">
+                <a:alpha val="43000"/>
+              </a:srgbClr>
+            </a:outerShdw>
+          </a:effectLst>
+        </p:spPr>
+      </p:pic>
     </p:spTree>
     <p:extLst>
       <p:ext uri="{BB962C8B-B14F-4D97-AF65-F5344CB8AC3E}">
-        <p14:creationId xmlns:p14="http://schemas.microsoft.com/office/powerpoint/2010/main" val="2848123360"/>
+        <p14:creationId xmlns:p14="http://schemas.microsoft.com/office/powerpoint/2010/main" val="4212093825"/>
       </p:ext>
     </p:extLst>
   </p:cSld>
   <p:clrMapOvr>
     <a:masterClrMapping/>
   </p:clrMapOvr>
+  <p:timing>
+    <p:tnLst>
+      <p:par>
+        <p:cTn id="1" dur="indefinite" restart="never" nodeType="tmRoot"/>
+      </p:par>
+    </p:tnLst>
+  </p:timing>
 </p:sld>
 </file>
 
@@ -6399,7 +8276,7 @@
           <a:lstStyle/>
           <a:p>
             <a:r>
-              <a:rPr lang="sk-SK" dirty="0"/>
+              <a:rPr lang="sk-SK" dirty="0" smtClean="0"/>
               <a:t>Analýza dát</a:t>
             </a:r>
             <a:endParaRPr lang="sk-SK" dirty="0"/>
@@ -6416,25 +8293,122 @@
             <p:ph idx="1"/>
           </p:nvPr>
         </p:nvSpPr>
-        <p:spPr/>
-        <p:txBody>
-          <a:bodyPr/>
-          <a:lstStyle/>
-          <a:p>
-            <a:endParaRPr lang="sk-SK"/>
-          </a:p>
-        </p:txBody>
-      </p:sp>
+        <p:spPr>
+          <a:xfrm>
+            <a:off x="685801" y="2142067"/>
+            <a:ext cx="3555273" cy="1332653"/>
+          </a:xfrm>
+        </p:spPr>
+        <p:txBody>
+          <a:bodyPr>
+            <a:normAutofit/>
+          </a:bodyPr>
+          <a:lstStyle/>
+          <a:p>
+            <a:r>
+              <a:rPr lang="sk-SK" b="1" dirty="0" smtClean="0"/>
+              <a:t>Počet inštalovaných hier jednotlivých kategórií:</a:t>
+            </a:r>
+          </a:p>
+          <a:p>
+            <a:pPr lvl="1"/>
+            <a:endParaRPr lang="sk-SK" dirty="0"/>
+          </a:p>
+        </p:txBody>
+      </p:sp>
+      <p:pic>
+        <p:nvPicPr>
+          <p:cNvPr id="4" name="Obrázok 3"/>
+          <p:cNvPicPr>
+            <a:picLocks noChangeAspect="1"/>
+          </p:cNvPicPr>
+          <p:nvPr/>
+        </p:nvPicPr>
+        <p:blipFill>
+          <a:blip r:embed="rId2"/>
+          <a:stretch>
+            <a:fillRect/>
+          </a:stretch>
+        </p:blipFill>
+        <p:spPr>
+          <a:xfrm>
+            <a:off x="3717194" y="1859807"/>
+            <a:ext cx="1959221" cy="4044604"/>
+          </a:xfrm>
+          <a:prstGeom prst="rect">
+            <a:avLst/>
+          </a:prstGeom>
+          <a:ln w="38100" cap="sq">
+            <a:solidFill>
+              <a:srgbClr val="000000"/>
+            </a:solidFill>
+            <a:prstDash val="solid"/>
+            <a:miter lim="800000"/>
+          </a:ln>
+          <a:effectLst>
+            <a:outerShdw blurRad="50800" dist="38100" dir="2700000" algn="tl" rotWithShape="0">
+              <a:srgbClr val="000000">
+                <a:alpha val="43000"/>
+              </a:srgbClr>
+            </a:outerShdw>
+          </a:effectLst>
+        </p:spPr>
+      </p:pic>
+      <p:pic>
+        <p:nvPicPr>
+          <p:cNvPr id="5" name="Obrázok 4"/>
+          <p:cNvPicPr>
+            <a:picLocks noChangeAspect="1"/>
+          </p:cNvPicPr>
+          <p:nvPr/>
+        </p:nvPicPr>
+        <p:blipFill>
+          <a:blip r:embed="rId3"/>
+          <a:stretch>
+            <a:fillRect/>
+          </a:stretch>
+        </p:blipFill>
+        <p:spPr>
+          <a:xfrm>
+            <a:off x="5676415" y="1859807"/>
+            <a:ext cx="5787707" cy="4044604"/>
+          </a:xfrm>
+          <a:prstGeom prst="rect">
+            <a:avLst/>
+          </a:prstGeom>
+          <a:ln w="38100" cap="sq">
+            <a:solidFill>
+              <a:srgbClr val="000000"/>
+            </a:solidFill>
+            <a:prstDash val="solid"/>
+            <a:miter lim="800000"/>
+          </a:ln>
+          <a:effectLst>
+            <a:outerShdw blurRad="50800" dist="38100" dir="2700000" algn="tl" rotWithShape="0">
+              <a:srgbClr val="000000">
+                <a:alpha val="43000"/>
+              </a:srgbClr>
+            </a:outerShdw>
+          </a:effectLst>
+        </p:spPr>
+      </p:pic>
     </p:spTree>
     <p:extLst>
       <p:ext uri="{BB962C8B-B14F-4D97-AF65-F5344CB8AC3E}">
-        <p14:creationId xmlns:p14="http://schemas.microsoft.com/office/powerpoint/2010/main" val="2222001504"/>
+        <p14:creationId xmlns:p14="http://schemas.microsoft.com/office/powerpoint/2010/main" val="1459057574"/>
       </p:ext>
     </p:extLst>
   </p:cSld>
   <p:clrMapOvr>
     <a:masterClrMapping/>
   </p:clrMapOvr>
+  <p:timing>
+    <p:tnLst>
+      <p:par>
+        <p:cTn id="1" dur="indefinite" restart="never" nodeType="tmRoot"/>
+      </p:par>
+    </p:tnLst>
+  </p:timing>
 </p:sld>
 </file>
 
@@ -6472,7 +8446,7 @@
           <a:p>
             <a:r>
               <a:rPr lang="sk-SK" dirty="0" smtClean="0"/>
-              <a:t>Neurónová sieť</a:t>
+              <a:t>Analýza dát</a:t>
             </a:r>
             <a:endParaRPr lang="sk-SK" dirty="0"/>
           </a:p>
@@ -6488,25 +8462,89 @@
             <p:ph idx="1"/>
           </p:nvPr>
         </p:nvSpPr>
-        <p:spPr/>
-        <p:txBody>
-          <a:bodyPr/>
-          <a:lstStyle/>
-          <a:p>
-            <a:endParaRPr lang="sk-SK"/>
-          </a:p>
-        </p:txBody>
-      </p:sp>
+        <p:spPr>
+          <a:xfrm>
+            <a:off x="685802" y="2142067"/>
+            <a:ext cx="3389810" cy="1332653"/>
+          </a:xfrm>
+        </p:spPr>
+        <p:txBody>
+          <a:bodyPr>
+            <a:normAutofit/>
+          </a:bodyPr>
+          <a:lstStyle/>
+          <a:p>
+            <a:r>
+              <a:rPr lang="sk-SK" b="1" dirty="0"/>
+              <a:t>Percentá hodnotení jednotlivých kategórií</a:t>
+            </a:r>
+            <a:r>
+              <a:rPr lang="sk-SK" b="1" dirty="0" smtClean="0"/>
+              <a:t>:</a:t>
+            </a:r>
+            <a:endParaRPr lang="sk-SK" b="1" dirty="0" smtClean="0"/>
+          </a:p>
+          <a:p>
+            <a:pPr lvl="1"/>
+            <a:endParaRPr lang="sk-SK" dirty="0"/>
+          </a:p>
+        </p:txBody>
+      </p:sp>
+      <p:pic>
+        <p:nvPicPr>
+          <p:cNvPr id="6" name="Obrázok 5"/>
+          <p:cNvPicPr>
+            <a:picLocks noChangeAspect="1"/>
+          </p:cNvPicPr>
+          <p:nvPr/>
+        </p:nvPicPr>
+        <p:blipFill>
+          <a:blip r:embed="rId2"/>
+          <a:stretch>
+            <a:fillRect/>
+          </a:stretch>
+        </p:blipFill>
+        <p:spPr>
+          <a:xfrm>
+            <a:off x="4302035" y="2065867"/>
+            <a:ext cx="5556067" cy="4414300"/>
+          </a:xfrm>
+          <a:prstGeom prst="rect">
+            <a:avLst/>
+          </a:prstGeom>
+          <a:ln w="38100" cap="sq">
+            <a:solidFill>
+              <a:srgbClr val="000000"/>
+            </a:solidFill>
+            <a:prstDash val="solid"/>
+            <a:miter lim="800000"/>
+          </a:ln>
+          <a:effectLst>
+            <a:outerShdw blurRad="50800" dist="38100" dir="2700000" algn="tl" rotWithShape="0">
+              <a:srgbClr val="000000">
+                <a:alpha val="43000"/>
+              </a:srgbClr>
+            </a:outerShdw>
+          </a:effectLst>
+        </p:spPr>
+      </p:pic>
     </p:spTree>
     <p:extLst>
       <p:ext uri="{BB962C8B-B14F-4D97-AF65-F5344CB8AC3E}">
-        <p14:creationId xmlns:p14="http://schemas.microsoft.com/office/powerpoint/2010/main" val="2100224375"/>
+        <p14:creationId xmlns:p14="http://schemas.microsoft.com/office/powerpoint/2010/main" val="3419042791"/>
       </p:ext>
     </p:extLst>
   </p:cSld>
   <p:clrMapOvr>
     <a:masterClrMapping/>
   </p:clrMapOvr>
+  <p:timing>
+    <p:tnLst>
+      <p:par>
+        <p:cTn id="1" dur="indefinite" restart="never" nodeType="tmRoot"/>
+      </p:par>
+    </p:tnLst>
+  </p:timing>
 </p:sld>
 </file>
 
@@ -6543,8 +8581,8 @@
           <a:lstStyle/>
           <a:p>
             <a:r>
-              <a:rPr lang="sk-SK" dirty="0"/>
-              <a:t>Neurónová sieť</a:t>
+              <a:rPr lang="sk-SK" dirty="0" smtClean="0"/>
+              <a:t>Analýza dát</a:t>
             </a:r>
             <a:endParaRPr lang="sk-SK" dirty="0"/>
           </a:p>
@@ -6560,25 +8598,160 @@
             <p:ph idx="1"/>
           </p:nvPr>
         </p:nvSpPr>
-        <p:spPr/>
-        <p:txBody>
-          <a:bodyPr/>
-          <a:lstStyle/>
-          <a:p>
-            <a:endParaRPr lang="sk-SK"/>
-          </a:p>
-        </p:txBody>
-      </p:sp>
+        <p:spPr>
+          <a:xfrm>
+            <a:off x="685801" y="2142068"/>
+            <a:ext cx="3555273" cy="1776789"/>
+          </a:xfrm>
+        </p:spPr>
+        <p:txBody>
+          <a:bodyPr>
+            <a:normAutofit/>
+          </a:bodyPr>
+          <a:lstStyle/>
+          <a:p>
+            <a:r>
+              <a:rPr lang="sk-SK" b="1" dirty="0"/>
+              <a:t>Graf - priemer hodnotení jednotlivých </a:t>
+            </a:r>
+            <a:r>
+              <a:rPr lang="sk-SK" b="1" dirty="0" smtClean="0"/>
+              <a:t>kategórií</a:t>
+            </a:r>
+            <a:r>
+              <a:rPr lang="sk-SK" b="1" dirty="0" smtClean="0"/>
+              <a:t>:</a:t>
+            </a:r>
+          </a:p>
+          <a:p>
+            <a:endParaRPr lang="sk-SK" b="1" dirty="0" smtClean="0"/>
+          </a:p>
+          <a:p>
+            <a:r>
+              <a:rPr lang="sk-SK" b="1" dirty="0" err="1" smtClean="0"/>
+              <a:t>Histogram</a:t>
+            </a:r>
+            <a:r>
+              <a:rPr lang="sk-SK" b="1" dirty="0" smtClean="0"/>
+              <a:t> - </a:t>
+            </a:r>
+            <a:r>
+              <a:rPr lang="sk-SK" b="1" dirty="0" err="1"/>
+              <a:t>A</a:t>
+            </a:r>
+            <a:r>
+              <a:rPr lang="sk-SK" b="1" dirty="0" err="1" smtClean="0"/>
+              <a:t>ction</a:t>
+            </a:r>
+            <a:r>
+              <a:rPr lang="sk-SK" b="1" dirty="0" smtClean="0"/>
+              <a:t> </a:t>
+            </a:r>
+            <a:r>
+              <a:rPr lang="sk-SK" b="1" dirty="0" err="1" smtClean="0"/>
+              <a:t>games</a:t>
+            </a:r>
+            <a:r>
+              <a:rPr lang="sk-SK" b="1" dirty="0" smtClean="0"/>
+              <a:t>:</a:t>
+            </a:r>
+            <a:endParaRPr lang="sk-SK" b="1" dirty="0"/>
+          </a:p>
+        </p:txBody>
+      </p:sp>
+      <p:pic>
+        <p:nvPicPr>
+          <p:cNvPr id="6" name="Obrázok 5"/>
+          <p:cNvPicPr>
+            <a:picLocks noChangeAspect="1"/>
+          </p:cNvPicPr>
+          <p:nvPr/>
+        </p:nvPicPr>
+        <p:blipFill>
+          <a:blip r:embed="rId2"/>
+          <a:stretch>
+            <a:fillRect/>
+          </a:stretch>
+        </p:blipFill>
+        <p:spPr>
+          <a:xfrm>
+            <a:off x="4241074" y="2065867"/>
+            <a:ext cx="6797300" cy="3344333"/>
+          </a:xfrm>
+          <a:prstGeom prst="rect">
+            <a:avLst/>
+          </a:prstGeom>
+          <a:ln w="38100" cap="sq">
+            <a:solidFill>
+              <a:srgbClr val="000000"/>
+            </a:solidFill>
+            <a:prstDash val="solid"/>
+            <a:miter lim="800000"/>
+          </a:ln>
+          <a:effectLst>
+            <a:outerShdw blurRad="50800" dist="38100" dir="2700000" algn="tl" rotWithShape="0">
+              <a:srgbClr val="000000">
+                <a:alpha val="43000"/>
+              </a:srgbClr>
+            </a:outerShdw>
+          </a:effectLst>
+        </p:spPr>
+      </p:pic>
+      <p:pic>
+        <p:nvPicPr>
+          <p:cNvPr id="7" name="Obrázok 6"/>
+          <p:cNvPicPr>
+            <a:picLocks noChangeAspect="1"/>
+          </p:cNvPicPr>
+          <p:nvPr/>
+        </p:nvPicPr>
+        <p:blipFill>
+          <a:blip r:embed="rId3"/>
+          <a:stretch>
+            <a:fillRect/>
+          </a:stretch>
+        </p:blipFill>
+        <p:spPr>
+          <a:xfrm>
+            <a:off x="886562" y="4008620"/>
+            <a:ext cx="3442958" cy="2261551"/>
+          </a:xfrm>
+          <a:prstGeom prst="rect">
+            <a:avLst/>
+          </a:prstGeom>
+          <a:ln w="38100" cap="sq">
+            <a:solidFill>
+              <a:srgbClr val="000000"/>
+            </a:solidFill>
+            <a:prstDash val="solid"/>
+            <a:miter lim="800000"/>
+          </a:ln>
+          <a:effectLst>
+            <a:outerShdw blurRad="50800" dist="38100" dir="2700000" algn="tl" rotWithShape="0">
+              <a:srgbClr val="000000">
+                <a:alpha val="43000"/>
+              </a:srgbClr>
+            </a:outerShdw>
+          </a:effectLst>
+        </p:spPr>
+      </p:pic>
     </p:spTree>
     <p:extLst>
       <p:ext uri="{BB962C8B-B14F-4D97-AF65-F5344CB8AC3E}">
-        <p14:creationId xmlns:p14="http://schemas.microsoft.com/office/powerpoint/2010/main" val="283653350"/>
+        <p14:creationId xmlns:p14="http://schemas.microsoft.com/office/powerpoint/2010/main" val="200681327"/>
       </p:ext>
     </p:extLst>
   </p:cSld>
   <p:clrMapOvr>
     <a:masterClrMapping/>
   </p:clrMapOvr>
+  <p:timing>
+    <p:tnLst>
+      <p:par>
+        <p:cTn id="1" dur="indefinite" restart="never" nodeType="tmRoot"/>
+      </p:par>
+    </p:tnLst>
+  </p:timing>
 </p:sld>
 </file>
 
@@ -6615,42 +8788,129 @@
           <a:lstStyle/>
           <a:p>
             <a:r>
+              <a:rPr lang="sk-SK" dirty="0" smtClean="0"/>
+              <a:t>Neurónová sieť</a:t>
+            </a:r>
+            <a:endParaRPr lang="sk-SK" dirty="0"/>
+          </a:p>
+        </p:txBody>
+      </p:sp>
+      <p:sp>
+        <p:nvSpPr>
+          <p:cNvPr id="3" name="Zástupný symbol obsahu 2"/>
+          <p:cNvSpPr>
+            <a:spLocks noGrp="1"/>
+          </p:cNvSpPr>
+          <p:nvPr>
+            <p:ph idx="1"/>
+          </p:nvPr>
+        </p:nvSpPr>
+        <p:spPr>
+          <a:xfrm>
+            <a:off x="685802" y="2142068"/>
+            <a:ext cx="3598816" cy="1985796"/>
+          </a:xfrm>
+        </p:spPr>
+        <p:txBody>
+          <a:bodyPr/>
+          <a:lstStyle/>
+          <a:p>
+            <a:pPr marL="0" indent="0">
+              <a:buNone/>
+            </a:pPr>
+            <a:r>
+              <a:rPr lang="sk-SK" b="1" dirty="0" err="1" smtClean="0"/>
+              <a:t>Keras</a:t>
+            </a:r>
+            <a:endParaRPr lang="sk-SK" b="1" dirty="0" smtClean="0"/>
+          </a:p>
+          <a:p>
+            <a:r>
+              <a:rPr lang="sk-SK" dirty="0" smtClean="0"/>
+              <a:t>Nastavenie X, y a úprava </a:t>
+            </a:r>
+            <a:r>
               <a:rPr lang="sk-SK" dirty="0"/>
-              <a:t>Neurónová sieť</a:t>
+              <a:t>vstupu pomocou </a:t>
+            </a:r>
+            <a:r>
+              <a:rPr lang="sk-SK" dirty="0" err="1" smtClean="0"/>
+              <a:t>sc.fit_transform</a:t>
+            </a:r>
+            <a:r>
+              <a:rPr lang="sk-SK" dirty="0" smtClean="0"/>
+              <a:t>() pre </a:t>
+            </a:r>
+            <a:r>
+              <a:rPr lang="sk-SK" dirty="0" err="1" smtClean="0"/>
+              <a:t>Keras</a:t>
+            </a:r>
+            <a:r>
+              <a:rPr lang="sk-SK" dirty="0" smtClean="0"/>
+              <a:t>:</a:t>
             </a:r>
             <a:endParaRPr lang="sk-SK" dirty="0"/>
           </a:p>
-        </p:txBody>
-      </p:sp>
-      <p:sp>
-        <p:nvSpPr>
-          <p:cNvPr id="3" name="Zástupný symbol obsahu 2"/>
-          <p:cNvSpPr>
-            <a:spLocks noGrp="1"/>
-          </p:cNvSpPr>
-          <p:nvPr>
-            <p:ph idx="1"/>
-          </p:nvPr>
-        </p:nvSpPr>
-        <p:spPr/>
-        <p:txBody>
-          <a:bodyPr/>
-          <a:lstStyle/>
-          <a:p>
-            <a:endParaRPr lang="sk-SK"/>
-          </a:p>
-        </p:txBody>
-      </p:sp>
+          <a:p>
+            <a:endParaRPr lang="sk-SK" dirty="0"/>
+          </a:p>
+        </p:txBody>
+      </p:sp>
+      <p:pic>
+        <p:nvPicPr>
+          <p:cNvPr id="4" name="Obrázok 3"/>
+          <p:cNvPicPr>
+            <a:picLocks noChangeAspect="1"/>
+          </p:cNvPicPr>
+          <p:nvPr/>
+        </p:nvPicPr>
+        <p:blipFill>
+          <a:blip r:embed="rId2"/>
+          <a:stretch>
+            <a:fillRect/>
+          </a:stretch>
+        </p:blipFill>
+        <p:spPr>
+          <a:xfrm>
+            <a:off x="4948871" y="1637163"/>
+            <a:ext cx="4464310" cy="4807180"/>
+          </a:xfrm>
+          <a:prstGeom prst="rect">
+            <a:avLst/>
+          </a:prstGeom>
+          <a:ln w="38100" cap="sq">
+            <a:solidFill>
+              <a:srgbClr val="000000"/>
+            </a:solidFill>
+            <a:prstDash val="solid"/>
+            <a:miter lim="800000"/>
+          </a:ln>
+          <a:effectLst>
+            <a:outerShdw blurRad="50800" dist="38100" dir="2700000" algn="tl" rotWithShape="0">
+              <a:srgbClr val="000000">
+                <a:alpha val="43000"/>
+              </a:srgbClr>
+            </a:outerShdw>
+          </a:effectLst>
+        </p:spPr>
+      </p:pic>
     </p:spTree>
     <p:extLst>
       <p:ext uri="{BB962C8B-B14F-4D97-AF65-F5344CB8AC3E}">
-        <p14:creationId xmlns:p14="http://schemas.microsoft.com/office/powerpoint/2010/main" val="2018931702"/>
+        <p14:creationId xmlns:p14="http://schemas.microsoft.com/office/powerpoint/2010/main" val="2100224375"/>
       </p:ext>
     </p:extLst>
   </p:cSld>
   <p:clrMapOvr>
     <a:masterClrMapping/>
   </p:clrMapOvr>
+  <p:timing>
+    <p:tnLst>
+      <p:par>
+        <p:cTn id="1" dur="indefinite" restart="never" nodeType="tmRoot"/>
+      </p:par>
+    </p:tnLst>
+  </p:timing>
 </p:sld>
 </file>
 
